--- a/Manuscript/Figures/02_Data_StdOrog.pptx
+++ b/Manuscript/Figures/02_Data_StdOrog.pptx
@@ -2,12 +2,12 @@
 <file path=ppt/presentation.xml><?xml version="1.0" encoding="utf-8"?>
 <p:presentation xmlns:a="http://schemas.openxmlformats.org/drawingml/2006/main" xmlns:r="http://schemas.openxmlformats.org/officeDocument/2006/relationships" xmlns:p="http://schemas.openxmlformats.org/presentationml/2006/main" saveSubsetFonts="1">
   <p:sldMasterIdLst>
-    <p:sldMasterId id="2147483684" r:id="rId1"/>
+    <p:sldMasterId id="2147483720" r:id="rId1"/>
   </p:sldMasterIdLst>
   <p:sldIdLst>
     <p:sldId id="256" r:id="rId2"/>
   </p:sldIdLst>
-  <p:sldSz cx="6858000" cy="3455988"/>
+  <p:sldSz cx="3168650" cy="2411413"/>
   <p:notesSz cx="6858000" cy="9144000"/>
   <p:defaultTextStyle>
     <a:defPPr>
@@ -104,7 +104,689 @@
       </a:defRPr>
     </a:lvl9pPr>
   </p:defaultTextStyle>
+  <p:extLst>
+    <p:ext uri="{EFAFB233-063F-42B5-8137-9DF3F51BA10A}">
+      <p15:sldGuideLst xmlns:p15="http://schemas.microsoft.com/office/powerpoint/2012/main"/>
+    </p:ext>
+  </p:extLst>
 </p:presentation>
+</file>
+
+<file path=ppt/revisionInfo.xml><?xml version="1.0" encoding="utf-8"?>
+<p1510:revInfo xmlns:a="http://schemas.openxmlformats.org/drawingml/2006/main" xmlns:r="http://schemas.openxmlformats.org/officeDocument/2006/relationships" xmlns:p1510="http://schemas.microsoft.com/office/powerpoint/2015/10/main">
+  <p1510:revLst>
+    <p1510:client id="{2E785320-3619-48DF-89B5-25DFECCAF29D}" v="7" dt="2024-06-25T04:53:12.945"/>
+  </p1510:revLst>
+</p1510:revInfo>
+</file>
+
+<file path=ppt/changesInfos/changesInfo1.xml><?xml version="1.0" encoding="utf-8"?>
+<pc:chgInfo xmlns:a="http://schemas.openxmlformats.org/drawingml/2006/main" xmlns:r="http://schemas.openxmlformats.org/officeDocument/2006/relationships" xmlns:ac="http://schemas.microsoft.com/office/drawing/2013/main/command" xmlns:pc="http://schemas.microsoft.com/office/powerpoint/2013/main/command">
+  <pc:docChgLst>
+    <pc:chgData name="Fatima Pillosu" userId="a6295d4dc9e22643" providerId="LiveId" clId="{2E785320-3619-48DF-89B5-25DFECCAF29D}"/>
+    <pc:docChg chg="undo custSel modSld">
+      <pc:chgData name="Fatima Pillosu" userId="a6295d4dc9e22643" providerId="LiveId" clId="{2E785320-3619-48DF-89B5-25DFECCAF29D}" dt="2024-06-25T10:32:51.060" v="707" actId="1582"/>
+      <pc:docMkLst>
+        <pc:docMk/>
+      </pc:docMkLst>
+      <pc:sldChg chg="addSp delSp modSp mod">
+        <pc:chgData name="Fatima Pillosu" userId="a6295d4dc9e22643" providerId="LiveId" clId="{2E785320-3619-48DF-89B5-25DFECCAF29D}" dt="2024-06-25T10:32:51.060" v="707" actId="1582"/>
+        <pc:sldMkLst>
+          <pc:docMk/>
+          <pc:sldMk cId="1822901782" sldId="256"/>
+        </pc:sldMkLst>
+        <pc:spChg chg="add del mod">
+          <ac:chgData name="Fatima Pillosu" userId="a6295d4dc9e22643" providerId="LiveId" clId="{2E785320-3619-48DF-89B5-25DFECCAF29D}" dt="2024-06-25T04:52:50.308" v="684" actId="478"/>
+          <ac:spMkLst>
+            <pc:docMk/>
+            <pc:sldMk cId="1822901782" sldId="256"/>
+            <ac:spMk id="2" creationId="{2BC43596-CBE7-C128-E93D-F24A2BCAE094}"/>
+          </ac:spMkLst>
+        </pc:spChg>
+        <pc:spChg chg="add del mod">
+          <ac:chgData name="Fatima Pillosu" userId="a6295d4dc9e22643" providerId="LiveId" clId="{2E785320-3619-48DF-89B5-25DFECCAF29D}" dt="2024-06-24T17:23:20.747" v="97" actId="21"/>
+          <ac:spMkLst>
+            <pc:docMk/>
+            <pc:sldMk cId="1822901782" sldId="256"/>
+            <ac:spMk id="4" creationId="{F1D71C2F-8A93-3E18-C947-1AAE4CB8DE6C}"/>
+          </ac:spMkLst>
+        </pc:spChg>
+        <pc:spChg chg="add del mod">
+          <ac:chgData name="Fatima Pillosu" userId="a6295d4dc9e22643" providerId="LiveId" clId="{2E785320-3619-48DF-89B5-25DFECCAF29D}" dt="2024-06-24T17:23:20.747" v="97" actId="21"/>
+          <ac:spMkLst>
+            <pc:docMk/>
+            <pc:sldMk cId="1822901782" sldId="256"/>
+            <ac:spMk id="5" creationId="{6FDD74F2-32FC-DC5C-AFCF-1109251281A8}"/>
+          </ac:spMkLst>
+        </pc:spChg>
+        <pc:spChg chg="add mod">
+          <ac:chgData name="Fatima Pillosu" userId="a6295d4dc9e22643" providerId="LiveId" clId="{2E785320-3619-48DF-89B5-25DFECCAF29D}" dt="2024-06-25T10:21:02.896" v="703" actId="1038"/>
+          <ac:spMkLst>
+            <pc:docMk/>
+            <pc:sldMk cId="1822901782" sldId="256"/>
+            <ac:spMk id="5" creationId="{F1D71C2F-8A93-3E18-C947-1AAE4CB8DE6C}"/>
+          </ac:spMkLst>
+        </pc:spChg>
+        <pc:spChg chg="add del mod">
+          <ac:chgData name="Fatima Pillosu" userId="a6295d4dc9e22643" providerId="LiveId" clId="{2E785320-3619-48DF-89B5-25DFECCAF29D}" dt="2024-06-24T17:23:20.747" v="97" actId="21"/>
+          <ac:spMkLst>
+            <pc:docMk/>
+            <pc:sldMk cId="1822901782" sldId="256"/>
+            <ac:spMk id="6" creationId="{22DBE79A-CDEE-2F1B-733D-4B4214DE63A9}"/>
+          </ac:spMkLst>
+        </pc:spChg>
+        <pc:spChg chg="add mod">
+          <ac:chgData name="Fatima Pillosu" userId="a6295d4dc9e22643" providerId="LiveId" clId="{2E785320-3619-48DF-89B5-25DFECCAF29D}" dt="2024-06-25T10:21:02.896" v="703" actId="1038"/>
+          <ac:spMkLst>
+            <pc:docMk/>
+            <pc:sldMk cId="1822901782" sldId="256"/>
+            <ac:spMk id="6" creationId="{6FDD74F2-32FC-DC5C-AFCF-1109251281A8}"/>
+          </ac:spMkLst>
+        </pc:spChg>
+        <pc:spChg chg="add mod">
+          <ac:chgData name="Fatima Pillosu" userId="a6295d4dc9e22643" providerId="LiveId" clId="{2E785320-3619-48DF-89B5-25DFECCAF29D}" dt="2024-06-25T10:21:02.896" v="703" actId="1038"/>
+          <ac:spMkLst>
+            <pc:docMk/>
+            <pc:sldMk cId="1822901782" sldId="256"/>
+            <ac:spMk id="7" creationId="{22DBE79A-CDEE-2F1B-733D-4B4214DE63A9}"/>
+          </ac:spMkLst>
+        </pc:spChg>
+        <pc:spChg chg="add del mod">
+          <ac:chgData name="Fatima Pillosu" userId="a6295d4dc9e22643" providerId="LiveId" clId="{2E785320-3619-48DF-89B5-25DFECCAF29D}" dt="2024-06-24T17:23:20.747" v="97" actId="21"/>
+          <ac:spMkLst>
+            <pc:docMk/>
+            <pc:sldMk cId="1822901782" sldId="256"/>
+            <ac:spMk id="7" creationId="{E023B178-82B8-A456-CC6F-11113A21FC39}"/>
+          </ac:spMkLst>
+        </pc:spChg>
+        <pc:spChg chg="add mod">
+          <ac:chgData name="Fatima Pillosu" userId="a6295d4dc9e22643" providerId="LiveId" clId="{2E785320-3619-48DF-89B5-25DFECCAF29D}" dt="2024-06-25T04:53:18.612" v="687" actId="1037"/>
+          <ac:spMkLst>
+            <pc:docMk/>
+            <pc:sldMk cId="1822901782" sldId="256"/>
+            <ac:spMk id="8" creationId="{E023B178-82B8-A456-CC6F-11113A21FC39}"/>
+          </ac:spMkLst>
+        </pc:spChg>
+        <pc:spChg chg="add del mod">
+          <ac:chgData name="Fatima Pillosu" userId="a6295d4dc9e22643" providerId="LiveId" clId="{2E785320-3619-48DF-89B5-25DFECCAF29D}" dt="2024-06-24T17:23:20.747" v="97" actId="21"/>
+          <ac:spMkLst>
+            <pc:docMk/>
+            <pc:sldMk cId="1822901782" sldId="256"/>
+            <ac:spMk id="8" creationId="{F2E82DC8-5C42-716E-4D57-068EA4CD263A}"/>
+          </ac:spMkLst>
+        </pc:spChg>
+        <pc:spChg chg="add del mod">
+          <ac:chgData name="Fatima Pillosu" userId="a6295d4dc9e22643" providerId="LiveId" clId="{2E785320-3619-48DF-89B5-25DFECCAF29D}" dt="2024-06-24T17:23:20.747" v="97" actId="21"/>
+          <ac:spMkLst>
+            <pc:docMk/>
+            <pc:sldMk cId="1822901782" sldId="256"/>
+            <ac:spMk id="9" creationId="{13CCC7D0-D92F-B870-9BE8-D967DDA8EC43}"/>
+          </ac:spMkLst>
+        </pc:spChg>
+        <pc:spChg chg="add mod">
+          <ac:chgData name="Fatima Pillosu" userId="a6295d4dc9e22643" providerId="LiveId" clId="{2E785320-3619-48DF-89B5-25DFECCAF29D}" dt="2024-06-25T04:53:18.612" v="687" actId="1037"/>
+          <ac:spMkLst>
+            <pc:docMk/>
+            <pc:sldMk cId="1822901782" sldId="256"/>
+            <ac:spMk id="9" creationId="{F2E82DC8-5C42-716E-4D57-068EA4CD263A}"/>
+          </ac:spMkLst>
+        </pc:spChg>
+        <pc:spChg chg="add mod">
+          <ac:chgData name="Fatima Pillosu" userId="a6295d4dc9e22643" providerId="LiveId" clId="{2E785320-3619-48DF-89B5-25DFECCAF29D}" dt="2024-06-25T04:53:18.612" v="687" actId="1037"/>
+          <ac:spMkLst>
+            <pc:docMk/>
+            <pc:sldMk cId="1822901782" sldId="256"/>
+            <ac:spMk id="10" creationId="{13CCC7D0-D92F-B870-9BE8-D967DDA8EC43}"/>
+          </ac:spMkLst>
+        </pc:spChg>
+        <pc:spChg chg="add del mod">
+          <ac:chgData name="Fatima Pillosu" userId="a6295d4dc9e22643" providerId="LiveId" clId="{2E785320-3619-48DF-89B5-25DFECCAF29D}" dt="2024-06-24T17:23:20.747" v="97" actId="21"/>
+          <ac:spMkLst>
+            <pc:docMk/>
+            <pc:sldMk cId="1822901782" sldId="256"/>
+            <ac:spMk id="10" creationId="{20FCCC32-A76A-C731-E53C-976B51B2E78F}"/>
+          </ac:spMkLst>
+        </pc:spChg>
+        <pc:spChg chg="add mod">
+          <ac:chgData name="Fatima Pillosu" userId="a6295d4dc9e22643" providerId="LiveId" clId="{2E785320-3619-48DF-89B5-25DFECCAF29D}" dt="2024-06-25T04:53:18.612" v="687" actId="1037"/>
+          <ac:spMkLst>
+            <pc:docMk/>
+            <pc:sldMk cId="1822901782" sldId="256"/>
+            <ac:spMk id="11" creationId="{20FCCC32-A76A-C731-E53C-976B51B2E78F}"/>
+          </ac:spMkLst>
+        </pc:spChg>
+        <pc:spChg chg="add del mod">
+          <ac:chgData name="Fatima Pillosu" userId="a6295d4dc9e22643" providerId="LiveId" clId="{2E785320-3619-48DF-89B5-25DFECCAF29D}" dt="2024-06-24T17:23:20.747" v="97" actId="21"/>
+          <ac:spMkLst>
+            <pc:docMk/>
+            <pc:sldMk cId="1822901782" sldId="256"/>
+            <ac:spMk id="11" creationId="{D080BFB8-ECAC-4575-6E3F-C442E1C78A1B}"/>
+          </ac:spMkLst>
+        </pc:spChg>
+        <pc:spChg chg="add del mod">
+          <ac:chgData name="Fatima Pillosu" userId="a6295d4dc9e22643" providerId="LiveId" clId="{2E785320-3619-48DF-89B5-25DFECCAF29D}" dt="2024-06-24T17:23:20.747" v="97" actId="21"/>
+          <ac:spMkLst>
+            <pc:docMk/>
+            <pc:sldMk cId="1822901782" sldId="256"/>
+            <ac:spMk id="12" creationId="{9A4B1EC8-EEF5-3E04-30C8-8119BB015E8C}"/>
+          </ac:spMkLst>
+        </pc:spChg>
+        <pc:spChg chg="add mod">
+          <ac:chgData name="Fatima Pillosu" userId="a6295d4dc9e22643" providerId="LiveId" clId="{2E785320-3619-48DF-89B5-25DFECCAF29D}" dt="2024-06-25T04:53:18.612" v="687" actId="1037"/>
+          <ac:spMkLst>
+            <pc:docMk/>
+            <pc:sldMk cId="1822901782" sldId="256"/>
+            <ac:spMk id="12" creationId="{D080BFB8-ECAC-4575-6E3F-C442E1C78A1B}"/>
+          </ac:spMkLst>
+        </pc:spChg>
+        <pc:spChg chg="add del mod">
+          <ac:chgData name="Fatima Pillosu" userId="a6295d4dc9e22643" providerId="LiveId" clId="{2E785320-3619-48DF-89B5-25DFECCAF29D}" dt="2024-06-24T17:23:20.747" v="97" actId="21"/>
+          <ac:spMkLst>
+            <pc:docMk/>
+            <pc:sldMk cId="1822901782" sldId="256"/>
+            <ac:spMk id="13" creationId="{79094C95-0B0A-3F7B-65FF-675BE29609E9}"/>
+          </ac:spMkLst>
+        </pc:spChg>
+        <pc:spChg chg="add mod">
+          <ac:chgData name="Fatima Pillosu" userId="a6295d4dc9e22643" providerId="LiveId" clId="{2E785320-3619-48DF-89B5-25DFECCAF29D}" dt="2024-06-25T04:53:18.612" v="687" actId="1037"/>
+          <ac:spMkLst>
+            <pc:docMk/>
+            <pc:sldMk cId="1822901782" sldId="256"/>
+            <ac:spMk id="13" creationId="{9A4B1EC8-EEF5-3E04-30C8-8119BB015E8C}"/>
+          </ac:spMkLst>
+        </pc:spChg>
+        <pc:spChg chg="add del mod">
+          <ac:chgData name="Fatima Pillosu" userId="a6295d4dc9e22643" providerId="LiveId" clId="{2E785320-3619-48DF-89B5-25DFECCAF29D}" dt="2024-06-24T17:23:20.747" v="97" actId="21"/>
+          <ac:spMkLst>
+            <pc:docMk/>
+            <pc:sldMk cId="1822901782" sldId="256"/>
+            <ac:spMk id="14" creationId="{6137EC09-A128-E4B0-D950-46CA0486F051}"/>
+          </ac:spMkLst>
+        </pc:spChg>
+        <pc:spChg chg="add mod">
+          <ac:chgData name="Fatima Pillosu" userId="a6295d4dc9e22643" providerId="LiveId" clId="{2E785320-3619-48DF-89B5-25DFECCAF29D}" dt="2024-06-25T04:53:18.612" v="687" actId="1037"/>
+          <ac:spMkLst>
+            <pc:docMk/>
+            <pc:sldMk cId="1822901782" sldId="256"/>
+            <ac:spMk id="14" creationId="{79094C95-0B0A-3F7B-65FF-675BE29609E9}"/>
+          </ac:spMkLst>
+        </pc:spChg>
+        <pc:spChg chg="add del mod">
+          <ac:chgData name="Fatima Pillosu" userId="a6295d4dc9e22643" providerId="LiveId" clId="{2E785320-3619-48DF-89B5-25DFECCAF29D}" dt="2024-06-24T17:23:20.747" v="97" actId="21"/>
+          <ac:spMkLst>
+            <pc:docMk/>
+            <pc:sldMk cId="1822901782" sldId="256"/>
+            <ac:spMk id="15" creationId="{358AF0F2-D83D-E62C-48BA-4BD85AC209FD}"/>
+          </ac:spMkLst>
+        </pc:spChg>
+        <pc:spChg chg="add mod">
+          <ac:chgData name="Fatima Pillosu" userId="a6295d4dc9e22643" providerId="LiveId" clId="{2E785320-3619-48DF-89B5-25DFECCAF29D}" dt="2024-06-25T04:53:18.612" v="687" actId="1037"/>
+          <ac:spMkLst>
+            <pc:docMk/>
+            <pc:sldMk cId="1822901782" sldId="256"/>
+            <ac:spMk id="15" creationId="{6137EC09-A128-E4B0-D950-46CA0486F051}"/>
+          </ac:spMkLst>
+        </pc:spChg>
+        <pc:spChg chg="add mod">
+          <ac:chgData name="Fatima Pillosu" userId="a6295d4dc9e22643" providerId="LiveId" clId="{2E785320-3619-48DF-89B5-25DFECCAF29D}" dt="2024-06-25T04:53:18.612" v="687" actId="1037"/>
+          <ac:spMkLst>
+            <pc:docMk/>
+            <pc:sldMk cId="1822901782" sldId="256"/>
+            <ac:spMk id="16" creationId="{358AF0F2-D83D-E62C-48BA-4BD85AC209FD}"/>
+          </ac:spMkLst>
+        </pc:spChg>
+        <pc:spChg chg="add del mod">
+          <ac:chgData name="Fatima Pillosu" userId="a6295d4dc9e22643" providerId="LiveId" clId="{2E785320-3619-48DF-89B5-25DFECCAF29D}" dt="2024-06-24T17:23:20.747" v="97" actId="21"/>
+          <ac:spMkLst>
+            <pc:docMk/>
+            <pc:sldMk cId="1822901782" sldId="256"/>
+            <ac:spMk id="16" creationId="{3FE915F8-D5A5-D72B-714A-2332F7428974}"/>
+          </ac:spMkLst>
+        </pc:spChg>
+        <pc:spChg chg="add del mod">
+          <ac:chgData name="Fatima Pillosu" userId="a6295d4dc9e22643" providerId="LiveId" clId="{2E785320-3619-48DF-89B5-25DFECCAF29D}" dt="2024-06-24T17:23:20.747" v="97" actId="21"/>
+          <ac:spMkLst>
+            <pc:docMk/>
+            <pc:sldMk cId="1822901782" sldId="256"/>
+            <ac:spMk id="17" creationId="{35FB6C0A-ABF7-0967-AE90-D6E6D00DED53}"/>
+          </ac:spMkLst>
+        </pc:spChg>
+        <pc:spChg chg="add mod">
+          <ac:chgData name="Fatima Pillosu" userId="a6295d4dc9e22643" providerId="LiveId" clId="{2E785320-3619-48DF-89B5-25DFECCAF29D}" dt="2024-06-25T04:53:18.612" v="687" actId="1037"/>
+          <ac:spMkLst>
+            <pc:docMk/>
+            <pc:sldMk cId="1822901782" sldId="256"/>
+            <ac:spMk id="17" creationId="{3FE915F8-D5A5-D72B-714A-2332F7428974}"/>
+          </ac:spMkLst>
+        </pc:spChg>
+        <pc:spChg chg="add del mod">
+          <ac:chgData name="Fatima Pillosu" userId="a6295d4dc9e22643" providerId="LiveId" clId="{2E785320-3619-48DF-89B5-25DFECCAF29D}" dt="2024-06-24T17:23:20.747" v="97" actId="21"/>
+          <ac:spMkLst>
+            <pc:docMk/>
+            <pc:sldMk cId="1822901782" sldId="256"/>
+            <ac:spMk id="18" creationId="{2B1B51A5-3A13-957B-480D-BE6A65A3C9D4}"/>
+          </ac:spMkLst>
+        </pc:spChg>
+        <pc:spChg chg="add mod">
+          <ac:chgData name="Fatima Pillosu" userId="a6295d4dc9e22643" providerId="LiveId" clId="{2E785320-3619-48DF-89B5-25DFECCAF29D}" dt="2024-06-25T04:53:18.612" v="687" actId="1037"/>
+          <ac:spMkLst>
+            <pc:docMk/>
+            <pc:sldMk cId="1822901782" sldId="256"/>
+            <ac:spMk id="18" creationId="{35FB6C0A-ABF7-0967-AE90-D6E6D00DED53}"/>
+          </ac:spMkLst>
+        </pc:spChg>
+        <pc:spChg chg="add mod">
+          <ac:chgData name="Fatima Pillosu" userId="a6295d4dc9e22643" providerId="LiveId" clId="{2E785320-3619-48DF-89B5-25DFECCAF29D}" dt="2024-06-25T04:53:18.612" v="687" actId="1037"/>
+          <ac:spMkLst>
+            <pc:docMk/>
+            <pc:sldMk cId="1822901782" sldId="256"/>
+            <ac:spMk id="19" creationId="{2B1B51A5-3A13-957B-480D-BE6A65A3C9D4}"/>
+          </ac:spMkLst>
+        </pc:spChg>
+        <pc:spChg chg="add del mod">
+          <ac:chgData name="Fatima Pillosu" userId="a6295d4dc9e22643" providerId="LiveId" clId="{2E785320-3619-48DF-89B5-25DFECCAF29D}" dt="2024-06-24T17:23:20.747" v="97" actId="21"/>
+          <ac:spMkLst>
+            <pc:docMk/>
+            <pc:sldMk cId="1822901782" sldId="256"/>
+            <ac:spMk id="19" creationId="{5575BA01-6C94-5BE2-21E1-3A89ADE0CA6D}"/>
+          </ac:spMkLst>
+        </pc:spChg>
+        <pc:spChg chg="add del mod">
+          <ac:chgData name="Fatima Pillosu" userId="a6295d4dc9e22643" providerId="LiveId" clId="{2E785320-3619-48DF-89B5-25DFECCAF29D}" dt="2024-06-24T17:23:20.747" v="97" actId="21"/>
+          <ac:spMkLst>
+            <pc:docMk/>
+            <pc:sldMk cId="1822901782" sldId="256"/>
+            <ac:spMk id="20" creationId="{31989090-3AC2-BECC-CBF8-E09CCF9C11A4}"/>
+          </ac:spMkLst>
+        </pc:spChg>
+        <pc:spChg chg="add mod">
+          <ac:chgData name="Fatima Pillosu" userId="a6295d4dc9e22643" providerId="LiveId" clId="{2E785320-3619-48DF-89B5-25DFECCAF29D}" dt="2024-06-25T04:53:18.612" v="687" actId="1037"/>
+          <ac:spMkLst>
+            <pc:docMk/>
+            <pc:sldMk cId="1822901782" sldId="256"/>
+            <ac:spMk id="20" creationId="{5575BA01-6C94-5BE2-21E1-3A89ADE0CA6D}"/>
+          </ac:spMkLst>
+        </pc:spChg>
+        <pc:spChg chg="add mod">
+          <ac:chgData name="Fatima Pillosu" userId="a6295d4dc9e22643" providerId="LiveId" clId="{2E785320-3619-48DF-89B5-25DFECCAF29D}" dt="2024-06-25T04:53:18.612" v="687" actId="1037"/>
+          <ac:spMkLst>
+            <pc:docMk/>
+            <pc:sldMk cId="1822901782" sldId="256"/>
+            <ac:spMk id="21" creationId="{31989090-3AC2-BECC-CBF8-E09CCF9C11A4}"/>
+          </ac:spMkLst>
+        </pc:spChg>
+        <pc:spChg chg="add del mod">
+          <ac:chgData name="Fatima Pillosu" userId="a6295d4dc9e22643" providerId="LiveId" clId="{2E785320-3619-48DF-89B5-25DFECCAF29D}" dt="2024-06-24T17:23:20.747" v="97" actId="21"/>
+          <ac:spMkLst>
+            <pc:docMk/>
+            <pc:sldMk cId="1822901782" sldId="256"/>
+            <ac:spMk id="21" creationId="{B3E1B771-0F5E-C321-BB3D-5FDFF94A5B38}"/>
+          </ac:spMkLst>
+        </pc:spChg>
+        <pc:spChg chg="add del">
+          <ac:chgData name="Fatima Pillosu" userId="a6295d4dc9e22643" providerId="LiveId" clId="{2E785320-3619-48DF-89B5-25DFECCAF29D}" dt="2024-06-24T17:23:18.533" v="96" actId="478"/>
+          <ac:spMkLst>
+            <pc:docMk/>
+            <pc:sldMk cId="1822901782" sldId="256"/>
+            <ac:spMk id="22" creationId="{9B97AAB1-614F-E07C-AA7E-FB1BB4E5ECC2}"/>
+          </ac:spMkLst>
+        </pc:spChg>
+        <pc:spChg chg="add mod">
+          <ac:chgData name="Fatima Pillosu" userId="a6295d4dc9e22643" providerId="LiveId" clId="{2E785320-3619-48DF-89B5-25DFECCAF29D}" dt="2024-06-25T04:53:18.612" v="687" actId="1037"/>
+          <ac:spMkLst>
+            <pc:docMk/>
+            <pc:sldMk cId="1822901782" sldId="256"/>
+            <ac:spMk id="22" creationId="{B3E1B771-0F5E-C321-BB3D-5FDFF94A5B38}"/>
+          </ac:spMkLst>
+        </pc:spChg>
+        <pc:spChg chg="add del mod">
+          <ac:chgData name="Fatima Pillosu" userId="a6295d4dc9e22643" providerId="LiveId" clId="{2E785320-3619-48DF-89B5-25DFECCAF29D}" dt="2024-06-25T04:52:52.099" v="685" actId="21"/>
+          <ac:spMkLst>
+            <pc:docMk/>
+            <pc:sldMk cId="1822901782" sldId="256"/>
+            <ac:spMk id="25" creationId="{F1D71C2F-8A93-3E18-C947-1AAE4CB8DE6C}"/>
+          </ac:spMkLst>
+        </pc:spChg>
+        <pc:spChg chg="add del mod">
+          <ac:chgData name="Fatima Pillosu" userId="a6295d4dc9e22643" providerId="LiveId" clId="{2E785320-3619-48DF-89B5-25DFECCAF29D}" dt="2024-06-25T04:52:52.099" v="685" actId="21"/>
+          <ac:spMkLst>
+            <pc:docMk/>
+            <pc:sldMk cId="1822901782" sldId="256"/>
+            <ac:spMk id="26" creationId="{6FDD74F2-32FC-DC5C-AFCF-1109251281A8}"/>
+          </ac:spMkLst>
+        </pc:spChg>
+        <pc:spChg chg="add del mod">
+          <ac:chgData name="Fatima Pillosu" userId="a6295d4dc9e22643" providerId="LiveId" clId="{2E785320-3619-48DF-89B5-25DFECCAF29D}" dt="2024-06-25T04:52:52.099" v="685" actId="21"/>
+          <ac:spMkLst>
+            <pc:docMk/>
+            <pc:sldMk cId="1822901782" sldId="256"/>
+            <ac:spMk id="27" creationId="{22DBE79A-CDEE-2F1B-733D-4B4214DE63A9}"/>
+          </ac:spMkLst>
+        </pc:spChg>
+        <pc:spChg chg="add del mod">
+          <ac:chgData name="Fatima Pillosu" userId="a6295d4dc9e22643" providerId="LiveId" clId="{2E785320-3619-48DF-89B5-25DFECCAF29D}" dt="2024-06-25T04:52:52.099" v="685" actId="21"/>
+          <ac:spMkLst>
+            <pc:docMk/>
+            <pc:sldMk cId="1822901782" sldId="256"/>
+            <ac:spMk id="28" creationId="{E023B178-82B8-A456-CC6F-11113A21FC39}"/>
+          </ac:spMkLst>
+        </pc:spChg>
+        <pc:spChg chg="add del mod">
+          <ac:chgData name="Fatima Pillosu" userId="a6295d4dc9e22643" providerId="LiveId" clId="{2E785320-3619-48DF-89B5-25DFECCAF29D}" dt="2024-06-25T04:52:52.099" v="685" actId="21"/>
+          <ac:spMkLst>
+            <pc:docMk/>
+            <pc:sldMk cId="1822901782" sldId="256"/>
+            <ac:spMk id="29" creationId="{F2E82DC8-5C42-716E-4D57-068EA4CD263A}"/>
+          </ac:spMkLst>
+        </pc:spChg>
+        <pc:spChg chg="add del mod">
+          <ac:chgData name="Fatima Pillosu" userId="a6295d4dc9e22643" providerId="LiveId" clId="{2E785320-3619-48DF-89B5-25DFECCAF29D}" dt="2024-06-25T04:52:52.099" v="685" actId="21"/>
+          <ac:spMkLst>
+            <pc:docMk/>
+            <pc:sldMk cId="1822901782" sldId="256"/>
+            <ac:spMk id="30" creationId="{13CCC7D0-D92F-B870-9BE8-D967DDA8EC43}"/>
+          </ac:spMkLst>
+        </pc:spChg>
+        <pc:spChg chg="add del mod">
+          <ac:chgData name="Fatima Pillosu" userId="a6295d4dc9e22643" providerId="LiveId" clId="{2E785320-3619-48DF-89B5-25DFECCAF29D}" dt="2024-06-25T04:52:52.099" v="685" actId="21"/>
+          <ac:spMkLst>
+            <pc:docMk/>
+            <pc:sldMk cId="1822901782" sldId="256"/>
+            <ac:spMk id="31" creationId="{20FCCC32-A76A-C731-E53C-976B51B2E78F}"/>
+          </ac:spMkLst>
+        </pc:spChg>
+        <pc:spChg chg="add del mod">
+          <ac:chgData name="Fatima Pillosu" userId="a6295d4dc9e22643" providerId="LiveId" clId="{2E785320-3619-48DF-89B5-25DFECCAF29D}" dt="2024-06-25T04:52:52.099" v="685" actId="21"/>
+          <ac:spMkLst>
+            <pc:docMk/>
+            <pc:sldMk cId="1822901782" sldId="256"/>
+            <ac:spMk id="32" creationId="{D080BFB8-ECAC-4575-6E3F-C442E1C78A1B}"/>
+          </ac:spMkLst>
+        </pc:spChg>
+        <pc:spChg chg="add del mod">
+          <ac:chgData name="Fatima Pillosu" userId="a6295d4dc9e22643" providerId="LiveId" clId="{2E785320-3619-48DF-89B5-25DFECCAF29D}" dt="2024-06-25T04:52:52.099" v="685" actId="21"/>
+          <ac:spMkLst>
+            <pc:docMk/>
+            <pc:sldMk cId="1822901782" sldId="256"/>
+            <ac:spMk id="33" creationId="{9A4B1EC8-EEF5-3E04-30C8-8119BB015E8C}"/>
+          </ac:spMkLst>
+        </pc:spChg>
+        <pc:spChg chg="add del mod">
+          <ac:chgData name="Fatima Pillosu" userId="a6295d4dc9e22643" providerId="LiveId" clId="{2E785320-3619-48DF-89B5-25DFECCAF29D}" dt="2024-06-25T04:52:52.099" v="685" actId="21"/>
+          <ac:spMkLst>
+            <pc:docMk/>
+            <pc:sldMk cId="1822901782" sldId="256"/>
+            <ac:spMk id="34" creationId="{79094C95-0B0A-3F7B-65FF-675BE29609E9}"/>
+          </ac:spMkLst>
+        </pc:spChg>
+        <pc:spChg chg="add del mod">
+          <ac:chgData name="Fatima Pillosu" userId="a6295d4dc9e22643" providerId="LiveId" clId="{2E785320-3619-48DF-89B5-25DFECCAF29D}" dt="2024-06-25T04:52:52.099" v="685" actId="21"/>
+          <ac:spMkLst>
+            <pc:docMk/>
+            <pc:sldMk cId="1822901782" sldId="256"/>
+            <ac:spMk id="35" creationId="{6137EC09-A128-E4B0-D950-46CA0486F051}"/>
+          </ac:spMkLst>
+        </pc:spChg>
+        <pc:spChg chg="add del mod">
+          <ac:chgData name="Fatima Pillosu" userId="a6295d4dc9e22643" providerId="LiveId" clId="{2E785320-3619-48DF-89B5-25DFECCAF29D}" dt="2024-06-25T04:52:52.099" v="685" actId="21"/>
+          <ac:spMkLst>
+            <pc:docMk/>
+            <pc:sldMk cId="1822901782" sldId="256"/>
+            <ac:spMk id="36" creationId="{358AF0F2-D83D-E62C-48BA-4BD85AC209FD}"/>
+          </ac:spMkLst>
+        </pc:spChg>
+        <pc:spChg chg="add del mod">
+          <ac:chgData name="Fatima Pillosu" userId="a6295d4dc9e22643" providerId="LiveId" clId="{2E785320-3619-48DF-89B5-25DFECCAF29D}" dt="2024-06-25T04:52:52.099" v="685" actId="21"/>
+          <ac:spMkLst>
+            <pc:docMk/>
+            <pc:sldMk cId="1822901782" sldId="256"/>
+            <ac:spMk id="37" creationId="{3FE915F8-D5A5-D72B-714A-2332F7428974}"/>
+          </ac:spMkLst>
+        </pc:spChg>
+        <pc:spChg chg="add del mod">
+          <ac:chgData name="Fatima Pillosu" userId="a6295d4dc9e22643" providerId="LiveId" clId="{2E785320-3619-48DF-89B5-25DFECCAF29D}" dt="2024-06-25T04:52:52.099" v="685" actId="21"/>
+          <ac:spMkLst>
+            <pc:docMk/>
+            <pc:sldMk cId="1822901782" sldId="256"/>
+            <ac:spMk id="38" creationId="{35FB6C0A-ABF7-0967-AE90-D6E6D00DED53}"/>
+          </ac:spMkLst>
+        </pc:spChg>
+        <pc:spChg chg="add del mod">
+          <ac:chgData name="Fatima Pillosu" userId="a6295d4dc9e22643" providerId="LiveId" clId="{2E785320-3619-48DF-89B5-25DFECCAF29D}" dt="2024-06-25T04:52:52.099" v="685" actId="21"/>
+          <ac:spMkLst>
+            <pc:docMk/>
+            <pc:sldMk cId="1822901782" sldId="256"/>
+            <ac:spMk id="39" creationId="{2B1B51A5-3A13-957B-480D-BE6A65A3C9D4}"/>
+          </ac:spMkLst>
+        </pc:spChg>
+        <pc:spChg chg="add del mod">
+          <ac:chgData name="Fatima Pillosu" userId="a6295d4dc9e22643" providerId="LiveId" clId="{2E785320-3619-48DF-89B5-25DFECCAF29D}" dt="2024-06-25T04:52:52.099" v="685" actId="21"/>
+          <ac:spMkLst>
+            <pc:docMk/>
+            <pc:sldMk cId="1822901782" sldId="256"/>
+            <ac:spMk id="40" creationId="{5575BA01-6C94-5BE2-21E1-3A89ADE0CA6D}"/>
+          </ac:spMkLst>
+        </pc:spChg>
+        <pc:spChg chg="add del mod">
+          <ac:chgData name="Fatima Pillosu" userId="a6295d4dc9e22643" providerId="LiveId" clId="{2E785320-3619-48DF-89B5-25DFECCAF29D}" dt="2024-06-25T04:52:52.099" v="685" actId="21"/>
+          <ac:spMkLst>
+            <pc:docMk/>
+            <pc:sldMk cId="1822901782" sldId="256"/>
+            <ac:spMk id="41" creationId="{31989090-3AC2-BECC-CBF8-E09CCF9C11A4}"/>
+          </ac:spMkLst>
+        </pc:spChg>
+        <pc:spChg chg="add del mod">
+          <ac:chgData name="Fatima Pillosu" userId="a6295d4dc9e22643" providerId="LiveId" clId="{2E785320-3619-48DF-89B5-25DFECCAF29D}" dt="2024-06-25T04:52:52.099" v="685" actId="21"/>
+          <ac:spMkLst>
+            <pc:docMk/>
+            <pc:sldMk cId="1822901782" sldId="256"/>
+            <ac:spMk id="42" creationId="{B3E1B771-0F5E-C321-BB3D-5FDFF94A5B38}"/>
+          </ac:spMkLst>
+        </pc:spChg>
+        <pc:spChg chg="del mod">
+          <ac:chgData name="Fatima Pillosu" userId="a6295d4dc9e22643" providerId="LiveId" clId="{2E785320-3619-48DF-89B5-25DFECCAF29D}" dt="2024-06-24T17:19:35.696" v="39" actId="21"/>
+          <ac:spMkLst>
+            <pc:docMk/>
+            <pc:sldMk cId="1822901782" sldId="256"/>
+            <ac:spMk id="46" creationId="{F1D71C2F-8A93-3E18-C947-1AAE4CB8DE6C}"/>
+          </ac:spMkLst>
+        </pc:spChg>
+        <pc:spChg chg="del mod">
+          <ac:chgData name="Fatima Pillosu" userId="a6295d4dc9e22643" providerId="LiveId" clId="{2E785320-3619-48DF-89B5-25DFECCAF29D}" dt="2024-06-24T17:19:35.696" v="39" actId="21"/>
+          <ac:spMkLst>
+            <pc:docMk/>
+            <pc:sldMk cId="1822901782" sldId="256"/>
+            <ac:spMk id="47" creationId="{6FDD74F2-32FC-DC5C-AFCF-1109251281A8}"/>
+          </ac:spMkLst>
+        </pc:spChg>
+        <pc:spChg chg="del mod">
+          <ac:chgData name="Fatima Pillosu" userId="a6295d4dc9e22643" providerId="LiveId" clId="{2E785320-3619-48DF-89B5-25DFECCAF29D}" dt="2024-06-24T17:19:35.696" v="39" actId="21"/>
+          <ac:spMkLst>
+            <pc:docMk/>
+            <pc:sldMk cId="1822901782" sldId="256"/>
+            <ac:spMk id="48" creationId="{22DBE79A-CDEE-2F1B-733D-4B4214DE63A9}"/>
+          </ac:spMkLst>
+        </pc:spChg>
+        <pc:spChg chg="del mod">
+          <ac:chgData name="Fatima Pillosu" userId="a6295d4dc9e22643" providerId="LiveId" clId="{2E785320-3619-48DF-89B5-25DFECCAF29D}" dt="2024-06-24T17:19:35.696" v="39" actId="21"/>
+          <ac:spMkLst>
+            <pc:docMk/>
+            <pc:sldMk cId="1822901782" sldId="256"/>
+            <ac:spMk id="49" creationId="{E023B178-82B8-A456-CC6F-11113A21FC39}"/>
+          </ac:spMkLst>
+        </pc:spChg>
+        <pc:spChg chg="del mod">
+          <ac:chgData name="Fatima Pillosu" userId="a6295d4dc9e22643" providerId="LiveId" clId="{2E785320-3619-48DF-89B5-25DFECCAF29D}" dt="2024-06-24T17:19:35.696" v="39" actId="21"/>
+          <ac:spMkLst>
+            <pc:docMk/>
+            <pc:sldMk cId="1822901782" sldId="256"/>
+            <ac:spMk id="50" creationId="{F2E82DC8-5C42-716E-4D57-068EA4CD263A}"/>
+          </ac:spMkLst>
+        </pc:spChg>
+        <pc:spChg chg="del mod">
+          <ac:chgData name="Fatima Pillosu" userId="a6295d4dc9e22643" providerId="LiveId" clId="{2E785320-3619-48DF-89B5-25DFECCAF29D}" dt="2024-06-24T17:19:35.696" v="39" actId="21"/>
+          <ac:spMkLst>
+            <pc:docMk/>
+            <pc:sldMk cId="1822901782" sldId="256"/>
+            <ac:spMk id="51" creationId="{13CCC7D0-D92F-B870-9BE8-D967DDA8EC43}"/>
+          </ac:spMkLst>
+        </pc:spChg>
+        <pc:spChg chg="del mod">
+          <ac:chgData name="Fatima Pillosu" userId="a6295d4dc9e22643" providerId="LiveId" clId="{2E785320-3619-48DF-89B5-25DFECCAF29D}" dt="2024-06-24T17:19:35.696" v="39" actId="21"/>
+          <ac:spMkLst>
+            <pc:docMk/>
+            <pc:sldMk cId="1822901782" sldId="256"/>
+            <ac:spMk id="52" creationId="{20FCCC32-A76A-C731-E53C-976B51B2E78F}"/>
+          </ac:spMkLst>
+        </pc:spChg>
+        <pc:spChg chg="del mod">
+          <ac:chgData name="Fatima Pillosu" userId="a6295d4dc9e22643" providerId="LiveId" clId="{2E785320-3619-48DF-89B5-25DFECCAF29D}" dt="2024-06-24T17:19:35.696" v="39" actId="21"/>
+          <ac:spMkLst>
+            <pc:docMk/>
+            <pc:sldMk cId="1822901782" sldId="256"/>
+            <ac:spMk id="53" creationId="{D080BFB8-ECAC-4575-6E3F-C442E1C78A1B}"/>
+          </ac:spMkLst>
+        </pc:spChg>
+        <pc:spChg chg="del mod">
+          <ac:chgData name="Fatima Pillosu" userId="a6295d4dc9e22643" providerId="LiveId" clId="{2E785320-3619-48DF-89B5-25DFECCAF29D}" dt="2024-06-24T17:19:35.696" v="39" actId="21"/>
+          <ac:spMkLst>
+            <pc:docMk/>
+            <pc:sldMk cId="1822901782" sldId="256"/>
+            <ac:spMk id="54" creationId="{9A4B1EC8-EEF5-3E04-30C8-8119BB015E8C}"/>
+          </ac:spMkLst>
+        </pc:spChg>
+        <pc:spChg chg="del mod">
+          <ac:chgData name="Fatima Pillosu" userId="a6295d4dc9e22643" providerId="LiveId" clId="{2E785320-3619-48DF-89B5-25DFECCAF29D}" dt="2024-06-24T17:19:35.696" v="39" actId="21"/>
+          <ac:spMkLst>
+            <pc:docMk/>
+            <pc:sldMk cId="1822901782" sldId="256"/>
+            <ac:spMk id="55" creationId="{79094C95-0B0A-3F7B-65FF-675BE29609E9}"/>
+          </ac:spMkLst>
+        </pc:spChg>
+        <pc:spChg chg="del mod">
+          <ac:chgData name="Fatima Pillosu" userId="a6295d4dc9e22643" providerId="LiveId" clId="{2E785320-3619-48DF-89B5-25DFECCAF29D}" dt="2024-06-24T17:19:35.696" v="39" actId="21"/>
+          <ac:spMkLst>
+            <pc:docMk/>
+            <pc:sldMk cId="1822901782" sldId="256"/>
+            <ac:spMk id="56" creationId="{6137EC09-A128-E4B0-D950-46CA0486F051}"/>
+          </ac:spMkLst>
+        </pc:spChg>
+        <pc:spChg chg="del mod">
+          <ac:chgData name="Fatima Pillosu" userId="a6295d4dc9e22643" providerId="LiveId" clId="{2E785320-3619-48DF-89B5-25DFECCAF29D}" dt="2024-06-24T17:19:35.696" v="39" actId="21"/>
+          <ac:spMkLst>
+            <pc:docMk/>
+            <pc:sldMk cId="1822901782" sldId="256"/>
+            <ac:spMk id="57" creationId="{358AF0F2-D83D-E62C-48BA-4BD85AC209FD}"/>
+          </ac:spMkLst>
+        </pc:spChg>
+        <pc:spChg chg="del mod">
+          <ac:chgData name="Fatima Pillosu" userId="a6295d4dc9e22643" providerId="LiveId" clId="{2E785320-3619-48DF-89B5-25DFECCAF29D}" dt="2024-06-24T17:19:35.696" v="39" actId="21"/>
+          <ac:spMkLst>
+            <pc:docMk/>
+            <pc:sldMk cId="1822901782" sldId="256"/>
+            <ac:spMk id="58" creationId="{3FE915F8-D5A5-D72B-714A-2332F7428974}"/>
+          </ac:spMkLst>
+        </pc:spChg>
+        <pc:spChg chg="del mod">
+          <ac:chgData name="Fatima Pillosu" userId="a6295d4dc9e22643" providerId="LiveId" clId="{2E785320-3619-48DF-89B5-25DFECCAF29D}" dt="2024-06-24T17:19:35.696" v="39" actId="21"/>
+          <ac:spMkLst>
+            <pc:docMk/>
+            <pc:sldMk cId="1822901782" sldId="256"/>
+            <ac:spMk id="59" creationId="{35FB6C0A-ABF7-0967-AE90-D6E6D00DED53}"/>
+          </ac:spMkLst>
+        </pc:spChg>
+        <pc:spChg chg="del mod">
+          <ac:chgData name="Fatima Pillosu" userId="a6295d4dc9e22643" providerId="LiveId" clId="{2E785320-3619-48DF-89B5-25DFECCAF29D}" dt="2024-06-24T17:19:35.696" v="39" actId="21"/>
+          <ac:spMkLst>
+            <pc:docMk/>
+            <pc:sldMk cId="1822901782" sldId="256"/>
+            <ac:spMk id="60" creationId="{2B1B51A5-3A13-957B-480D-BE6A65A3C9D4}"/>
+          </ac:spMkLst>
+        </pc:spChg>
+        <pc:spChg chg="del mod">
+          <ac:chgData name="Fatima Pillosu" userId="a6295d4dc9e22643" providerId="LiveId" clId="{2E785320-3619-48DF-89B5-25DFECCAF29D}" dt="2024-06-24T17:19:35.696" v="39" actId="21"/>
+          <ac:spMkLst>
+            <pc:docMk/>
+            <pc:sldMk cId="1822901782" sldId="256"/>
+            <ac:spMk id="61" creationId="{5575BA01-6C94-5BE2-21E1-3A89ADE0CA6D}"/>
+          </ac:spMkLst>
+        </pc:spChg>
+        <pc:spChg chg="del mod">
+          <ac:chgData name="Fatima Pillosu" userId="a6295d4dc9e22643" providerId="LiveId" clId="{2E785320-3619-48DF-89B5-25DFECCAF29D}" dt="2024-06-24T17:19:35.696" v="39" actId="21"/>
+          <ac:spMkLst>
+            <pc:docMk/>
+            <pc:sldMk cId="1822901782" sldId="256"/>
+            <ac:spMk id="62" creationId="{31989090-3AC2-BECC-CBF8-E09CCF9C11A4}"/>
+          </ac:spMkLst>
+        </pc:spChg>
+        <pc:picChg chg="add del mod">
+          <ac:chgData name="Fatima Pillosu" userId="a6295d4dc9e22643" providerId="LiveId" clId="{2E785320-3619-48DF-89B5-25DFECCAF29D}" dt="2024-06-24T17:23:20.747" v="97" actId="21"/>
+          <ac:picMkLst>
+            <pc:docMk/>
+            <pc:sldMk cId="1822901782" sldId="256"/>
+            <ac:picMk id="2" creationId="{DD19E003-9B69-0D4C-8F3A-5E4B1DB55312}"/>
+          </ac:picMkLst>
+        </pc:picChg>
+        <pc:picChg chg="add del mod">
+          <ac:chgData name="Fatima Pillosu" userId="a6295d4dc9e22643" providerId="LiveId" clId="{2E785320-3619-48DF-89B5-25DFECCAF29D}" dt="2024-06-24T17:23:20.747" v="97" actId="21"/>
+          <ac:picMkLst>
+            <pc:docMk/>
+            <pc:sldMk cId="1822901782" sldId="256"/>
+            <ac:picMk id="3" creationId="{3DECA9E4-0733-4976-F224-87334909E84A}"/>
+          </ac:picMkLst>
+        </pc:picChg>
+        <pc:picChg chg="add mod modCrop">
+          <ac:chgData name="Fatima Pillosu" userId="a6295d4dc9e22643" providerId="LiveId" clId="{2E785320-3619-48DF-89B5-25DFECCAF29D}" dt="2024-06-25T10:32:51.060" v="707" actId="1582"/>
+          <ac:picMkLst>
+            <pc:docMk/>
+            <pc:sldMk cId="1822901782" sldId="256"/>
+            <ac:picMk id="3" creationId="{DD19E003-9B69-0D4C-8F3A-5E4B1DB55312}"/>
+          </ac:picMkLst>
+        </pc:picChg>
+        <pc:picChg chg="add mod">
+          <ac:chgData name="Fatima Pillosu" userId="a6295d4dc9e22643" providerId="LiveId" clId="{2E785320-3619-48DF-89B5-25DFECCAF29D}" dt="2024-06-25T04:53:18.612" v="687" actId="1037"/>
+          <ac:picMkLst>
+            <pc:docMk/>
+            <pc:sldMk cId="1822901782" sldId="256"/>
+            <ac:picMk id="4" creationId="{3DECA9E4-0733-4976-F224-87334909E84A}"/>
+          </ac:picMkLst>
+        </pc:picChg>
+        <pc:picChg chg="add del mod">
+          <ac:chgData name="Fatima Pillosu" userId="a6295d4dc9e22643" providerId="LiveId" clId="{2E785320-3619-48DF-89B5-25DFECCAF29D}" dt="2024-06-25T04:52:52.099" v="685" actId="21"/>
+          <ac:picMkLst>
+            <pc:docMk/>
+            <pc:sldMk cId="1822901782" sldId="256"/>
+            <ac:picMk id="23" creationId="{DD19E003-9B69-0D4C-8F3A-5E4B1DB55312}"/>
+          </ac:picMkLst>
+        </pc:picChg>
+        <pc:picChg chg="add del mod">
+          <ac:chgData name="Fatima Pillosu" userId="a6295d4dc9e22643" providerId="LiveId" clId="{2E785320-3619-48DF-89B5-25DFECCAF29D}" dt="2024-06-25T04:52:52.099" v="685" actId="21"/>
+          <ac:picMkLst>
+            <pc:docMk/>
+            <pc:sldMk cId="1822901782" sldId="256"/>
+            <ac:picMk id="24" creationId="{3DECA9E4-0733-4976-F224-87334909E84A}"/>
+          </ac:picMkLst>
+        </pc:picChg>
+        <pc:picChg chg="del mod">
+          <ac:chgData name="Fatima Pillosu" userId="a6295d4dc9e22643" providerId="LiveId" clId="{2E785320-3619-48DF-89B5-25DFECCAF29D}" dt="2024-06-24T17:19:35.696" v="39" actId="21"/>
+          <ac:picMkLst>
+            <pc:docMk/>
+            <pc:sldMk cId="1822901782" sldId="256"/>
+            <ac:picMk id="44" creationId="{DD19E003-9B69-0D4C-8F3A-5E4B1DB55312}"/>
+          </ac:picMkLst>
+        </pc:picChg>
+        <pc:picChg chg="del mod">
+          <ac:chgData name="Fatima Pillosu" userId="a6295d4dc9e22643" providerId="LiveId" clId="{2E785320-3619-48DF-89B5-25DFECCAF29D}" dt="2024-06-24T17:19:35.696" v="39" actId="21"/>
+          <ac:picMkLst>
+            <pc:docMk/>
+            <pc:sldMk cId="1822901782" sldId="256"/>
+            <ac:picMk id="45" creationId="{3DECA9E4-0733-4976-F224-87334909E84A}"/>
+          </ac:picMkLst>
+        </pc:picChg>
+      </pc:sldChg>
+    </pc:docChg>
+  </pc:docChgLst>
+</pc:chgInfo>
 </file>
 
 <file path=ppt/slideLayouts/slideLayout1.xml><?xml version="1.0" encoding="utf-8"?>
@@ -136,15 +818,15 @@
         </p:nvSpPr>
         <p:spPr>
           <a:xfrm>
-            <a:off x="857250" y="565598"/>
-            <a:ext cx="5143500" cy="1203196"/>
+            <a:off x="237649" y="394646"/>
+            <a:ext cx="2693353" cy="839529"/>
           </a:xfrm>
         </p:spPr>
         <p:txBody>
           <a:bodyPr anchor="b"/>
           <a:lstStyle>
             <a:lvl1pPr algn="ctr">
-              <a:defRPr sz="3023"/>
+              <a:defRPr sz="2079"/>
             </a:lvl1pPr>
           </a:lstStyle>
           <a:p>
@@ -168,8 +850,8 @@
         </p:nvSpPr>
         <p:spPr>
           <a:xfrm>
-            <a:off x="857250" y="1815194"/>
-            <a:ext cx="5143500" cy="834397"/>
+            <a:off x="396081" y="1266550"/>
+            <a:ext cx="2376488" cy="582200"/>
           </a:xfrm>
         </p:spPr>
         <p:txBody>
@@ -177,39 +859,39 @@
           <a:lstStyle>
             <a:lvl1pPr marL="0" indent="0" algn="ctr">
               <a:buNone/>
-              <a:defRPr sz="1209"/>
+              <a:defRPr sz="832"/>
             </a:lvl1pPr>
-            <a:lvl2pPr marL="230383" indent="0" algn="ctr">
-              <a:buNone/>
-              <a:defRPr sz="1008"/>
+            <a:lvl2pPr marL="158420" indent="0" algn="ctr">
+              <a:buNone/>
+              <a:defRPr sz="693"/>
             </a:lvl2pPr>
-            <a:lvl3pPr marL="460766" indent="0" algn="ctr">
-              <a:buNone/>
-              <a:defRPr sz="907"/>
+            <a:lvl3pPr marL="316840" indent="0" algn="ctr">
+              <a:buNone/>
+              <a:defRPr sz="624"/>
             </a:lvl3pPr>
-            <a:lvl4pPr marL="691149" indent="0" algn="ctr">
-              <a:buNone/>
-              <a:defRPr sz="806"/>
+            <a:lvl4pPr marL="475259" indent="0" algn="ctr">
+              <a:buNone/>
+              <a:defRPr sz="554"/>
             </a:lvl4pPr>
-            <a:lvl5pPr marL="921532" indent="0" algn="ctr">
-              <a:buNone/>
-              <a:defRPr sz="806"/>
+            <a:lvl5pPr marL="633679" indent="0" algn="ctr">
+              <a:buNone/>
+              <a:defRPr sz="554"/>
             </a:lvl5pPr>
-            <a:lvl6pPr marL="1151915" indent="0" algn="ctr">
-              <a:buNone/>
-              <a:defRPr sz="806"/>
+            <a:lvl6pPr marL="792099" indent="0" algn="ctr">
+              <a:buNone/>
+              <a:defRPr sz="554"/>
             </a:lvl6pPr>
-            <a:lvl7pPr marL="1382298" indent="0" algn="ctr">
-              <a:buNone/>
-              <a:defRPr sz="806"/>
+            <a:lvl7pPr marL="950519" indent="0" algn="ctr">
+              <a:buNone/>
+              <a:defRPr sz="554"/>
             </a:lvl7pPr>
-            <a:lvl8pPr marL="1612682" indent="0" algn="ctr">
-              <a:buNone/>
-              <a:defRPr sz="806"/>
+            <a:lvl8pPr marL="1108939" indent="0" algn="ctr">
+              <a:buNone/>
+              <a:defRPr sz="554"/>
             </a:lvl8pPr>
-            <a:lvl9pPr marL="1843065" indent="0" algn="ctr">
-              <a:buNone/>
-              <a:defRPr sz="806"/>
+            <a:lvl9pPr marL="1267358" indent="0" algn="ctr">
+              <a:buNone/>
+              <a:defRPr sz="554"/>
             </a:lvl9pPr>
           </a:lstStyle>
           <a:p>
@@ -238,7 +920,7 @@
           <a:p>
             <a:fld id="{A6C8CFAB-1E7E-451D-AC8D-2ADD82320E15}" type="datetimeFigureOut">
               <a:rPr lang="en-GB" smtClean="0"/>
-              <a:t>05/04/2024</a:t>
+              <a:t>25/06/2024</a:t>
             </a:fld>
             <a:endParaRPr lang="en-GB"/>
           </a:p>
@@ -289,7 +971,7 @@
     </p:spTree>
     <p:extLst>
       <p:ext uri="{BB962C8B-B14F-4D97-AF65-F5344CB8AC3E}">
-        <p14:creationId xmlns:p14="http://schemas.microsoft.com/office/powerpoint/2010/main" val="1164881452"/>
+        <p14:creationId xmlns:p14="http://schemas.microsoft.com/office/powerpoint/2010/main" val="2943214490"/>
       </p:ext>
     </p:extLst>
   </p:cSld>
@@ -408,7 +1090,7 @@
           <a:p>
             <a:fld id="{A6C8CFAB-1E7E-451D-AC8D-2ADD82320E15}" type="datetimeFigureOut">
               <a:rPr lang="en-GB" smtClean="0"/>
-              <a:t>05/04/2024</a:t>
+              <a:t>25/06/2024</a:t>
             </a:fld>
             <a:endParaRPr lang="en-GB"/>
           </a:p>
@@ -459,7 +1141,7 @@
     </p:spTree>
     <p:extLst>
       <p:ext uri="{BB962C8B-B14F-4D97-AF65-F5344CB8AC3E}">
-        <p14:creationId xmlns:p14="http://schemas.microsoft.com/office/powerpoint/2010/main" val="3775291429"/>
+        <p14:creationId xmlns:p14="http://schemas.microsoft.com/office/powerpoint/2010/main" val="603042585"/>
       </p:ext>
     </p:extLst>
   </p:cSld>
@@ -498,8 +1180,8 @@
         </p:nvSpPr>
         <p:spPr>
           <a:xfrm>
-            <a:off x="4907756" y="183999"/>
-            <a:ext cx="1478756" cy="2928790"/>
+            <a:off x="2267565" y="128385"/>
+            <a:ext cx="683240" cy="2043561"/>
           </a:xfrm>
         </p:spPr>
         <p:txBody>
@@ -526,8 +1208,8 @@
         </p:nvSpPr>
         <p:spPr>
           <a:xfrm>
-            <a:off x="471487" y="183999"/>
-            <a:ext cx="4350544" cy="2928790"/>
+            <a:off x="217845" y="128385"/>
+            <a:ext cx="2010112" cy="2043561"/>
           </a:xfrm>
         </p:spPr>
         <p:txBody>
@@ -588,7 +1270,7 @@
           <a:p>
             <a:fld id="{A6C8CFAB-1E7E-451D-AC8D-2ADD82320E15}" type="datetimeFigureOut">
               <a:rPr lang="en-GB" smtClean="0"/>
-              <a:t>05/04/2024</a:t>
+              <a:t>25/06/2024</a:t>
             </a:fld>
             <a:endParaRPr lang="en-GB"/>
           </a:p>
@@ -639,7 +1321,7 @@
     </p:spTree>
     <p:extLst>
       <p:ext uri="{BB962C8B-B14F-4D97-AF65-F5344CB8AC3E}">
-        <p14:creationId xmlns:p14="http://schemas.microsoft.com/office/powerpoint/2010/main" val="626901180"/>
+        <p14:creationId xmlns:p14="http://schemas.microsoft.com/office/powerpoint/2010/main" val="2255908415"/>
       </p:ext>
     </p:extLst>
   </p:cSld>
@@ -758,7 +1440,7 @@
           <a:p>
             <a:fld id="{A6C8CFAB-1E7E-451D-AC8D-2ADD82320E15}" type="datetimeFigureOut">
               <a:rPr lang="en-GB" smtClean="0"/>
-              <a:t>05/04/2024</a:t>
+              <a:t>25/06/2024</a:t>
             </a:fld>
             <a:endParaRPr lang="en-GB"/>
           </a:p>
@@ -809,7 +1491,7 @@
     </p:spTree>
     <p:extLst>
       <p:ext uri="{BB962C8B-B14F-4D97-AF65-F5344CB8AC3E}">
-        <p14:creationId xmlns:p14="http://schemas.microsoft.com/office/powerpoint/2010/main" val="2901767352"/>
+        <p14:creationId xmlns:p14="http://schemas.microsoft.com/office/powerpoint/2010/main" val="3307575336"/>
       </p:ext>
     </p:extLst>
   </p:cSld>
@@ -848,15 +1530,15 @@
         </p:nvSpPr>
         <p:spPr>
           <a:xfrm>
-            <a:off x="467916" y="861597"/>
-            <a:ext cx="5915025" cy="1437595"/>
+            <a:off x="216194" y="601179"/>
+            <a:ext cx="2732961" cy="1003081"/>
           </a:xfrm>
         </p:spPr>
         <p:txBody>
           <a:bodyPr anchor="b"/>
           <a:lstStyle>
             <a:lvl1pPr>
-              <a:defRPr sz="3023"/>
+              <a:defRPr sz="2079"/>
             </a:lvl1pPr>
           </a:lstStyle>
           <a:p>
@@ -880,8 +1562,8 @@
         </p:nvSpPr>
         <p:spPr>
           <a:xfrm>
-            <a:off x="467916" y="2312793"/>
-            <a:ext cx="5915025" cy="755997"/>
+            <a:off x="216194" y="1613750"/>
+            <a:ext cx="2732961" cy="527496"/>
           </a:xfrm>
         </p:spPr>
         <p:txBody>
@@ -889,7 +1571,7 @@
           <a:lstStyle>
             <a:lvl1pPr marL="0" indent="0">
               <a:buNone/>
-              <a:defRPr sz="1209">
+              <a:defRPr sz="832">
                 <a:solidFill>
                   <a:schemeClr val="tx1">
                     <a:tint val="82000"/>
@@ -897,9 +1579,9 @@
                 </a:solidFill>
               </a:defRPr>
             </a:lvl1pPr>
-            <a:lvl2pPr marL="230383" indent="0">
-              <a:buNone/>
-              <a:defRPr sz="1008">
+            <a:lvl2pPr marL="158420" indent="0">
+              <a:buNone/>
+              <a:defRPr sz="693">
                 <a:solidFill>
                   <a:schemeClr val="tx1">
                     <a:tint val="82000"/>
@@ -907,9 +1589,9 @@
                 </a:solidFill>
               </a:defRPr>
             </a:lvl2pPr>
-            <a:lvl3pPr marL="460766" indent="0">
-              <a:buNone/>
-              <a:defRPr sz="907">
+            <a:lvl3pPr marL="316840" indent="0">
+              <a:buNone/>
+              <a:defRPr sz="624">
                 <a:solidFill>
                   <a:schemeClr val="tx1">
                     <a:tint val="82000"/>
@@ -917,9 +1599,9 @@
                 </a:solidFill>
               </a:defRPr>
             </a:lvl3pPr>
-            <a:lvl4pPr marL="691149" indent="0">
-              <a:buNone/>
-              <a:defRPr sz="806">
+            <a:lvl4pPr marL="475259" indent="0">
+              <a:buNone/>
+              <a:defRPr sz="554">
                 <a:solidFill>
                   <a:schemeClr val="tx1">
                     <a:tint val="82000"/>
@@ -927,9 +1609,9 @@
                 </a:solidFill>
               </a:defRPr>
             </a:lvl4pPr>
-            <a:lvl5pPr marL="921532" indent="0">
-              <a:buNone/>
-              <a:defRPr sz="806">
+            <a:lvl5pPr marL="633679" indent="0">
+              <a:buNone/>
+              <a:defRPr sz="554">
                 <a:solidFill>
                   <a:schemeClr val="tx1">
                     <a:tint val="82000"/>
@@ -937,9 +1619,9 @@
                 </a:solidFill>
               </a:defRPr>
             </a:lvl5pPr>
-            <a:lvl6pPr marL="1151915" indent="0">
-              <a:buNone/>
-              <a:defRPr sz="806">
+            <a:lvl6pPr marL="792099" indent="0">
+              <a:buNone/>
+              <a:defRPr sz="554">
                 <a:solidFill>
                   <a:schemeClr val="tx1">
                     <a:tint val="82000"/>
@@ -947,9 +1629,9 @@
                 </a:solidFill>
               </a:defRPr>
             </a:lvl6pPr>
-            <a:lvl7pPr marL="1382298" indent="0">
-              <a:buNone/>
-              <a:defRPr sz="806">
+            <a:lvl7pPr marL="950519" indent="0">
+              <a:buNone/>
+              <a:defRPr sz="554">
                 <a:solidFill>
                   <a:schemeClr val="tx1">
                     <a:tint val="82000"/>
@@ -957,9 +1639,9 @@
                 </a:solidFill>
               </a:defRPr>
             </a:lvl7pPr>
-            <a:lvl8pPr marL="1612682" indent="0">
-              <a:buNone/>
-              <a:defRPr sz="806">
+            <a:lvl8pPr marL="1108939" indent="0">
+              <a:buNone/>
+              <a:defRPr sz="554">
                 <a:solidFill>
                   <a:schemeClr val="tx1">
                     <a:tint val="82000"/>
@@ -967,9 +1649,9 @@
                 </a:solidFill>
               </a:defRPr>
             </a:lvl8pPr>
-            <a:lvl9pPr marL="1843065" indent="0">
-              <a:buNone/>
-              <a:defRPr sz="806">
+            <a:lvl9pPr marL="1267358" indent="0">
+              <a:buNone/>
+              <a:defRPr sz="554">
                 <a:solidFill>
                   <a:schemeClr val="tx1">
                     <a:tint val="82000"/>
@@ -1004,7 +1686,7 @@
           <a:p>
             <a:fld id="{A6C8CFAB-1E7E-451D-AC8D-2ADD82320E15}" type="datetimeFigureOut">
               <a:rPr lang="en-GB" smtClean="0"/>
-              <a:t>05/04/2024</a:t>
+              <a:t>25/06/2024</a:t>
             </a:fld>
             <a:endParaRPr lang="en-GB"/>
           </a:p>
@@ -1055,7 +1737,7 @@
     </p:spTree>
     <p:extLst>
       <p:ext uri="{BB962C8B-B14F-4D97-AF65-F5344CB8AC3E}">
-        <p14:creationId xmlns:p14="http://schemas.microsoft.com/office/powerpoint/2010/main" val="2913691628"/>
+        <p14:creationId xmlns:p14="http://schemas.microsoft.com/office/powerpoint/2010/main" val="1598104645"/>
       </p:ext>
     </p:extLst>
   </p:cSld>
@@ -1117,8 +1799,8 @@
         </p:nvSpPr>
         <p:spPr>
           <a:xfrm>
-            <a:off x="471488" y="919997"/>
-            <a:ext cx="2914650" cy="2192793"/>
+            <a:off x="217845" y="641927"/>
+            <a:ext cx="1346676" cy="1530019"/>
           </a:xfrm>
         </p:spPr>
         <p:txBody>
@@ -1174,8 +1856,8 @@
         </p:nvSpPr>
         <p:spPr>
           <a:xfrm>
-            <a:off x="3471863" y="919997"/>
-            <a:ext cx="2914650" cy="2192793"/>
+            <a:off x="1604129" y="641927"/>
+            <a:ext cx="1346676" cy="1530019"/>
           </a:xfrm>
         </p:spPr>
         <p:txBody>
@@ -1236,7 +1918,7 @@
           <a:p>
             <a:fld id="{A6C8CFAB-1E7E-451D-AC8D-2ADD82320E15}" type="datetimeFigureOut">
               <a:rPr lang="en-GB" smtClean="0"/>
-              <a:t>05/04/2024</a:t>
+              <a:t>25/06/2024</a:t>
             </a:fld>
             <a:endParaRPr lang="en-GB"/>
           </a:p>
@@ -1287,7 +1969,7 @@
     </p:spTree>
     <p:extLst>
       <p:ext uri="{BB962C8B-B14F-4D97-AF65-F5344CB8AC3E}">
-        <p14:creationId xmlns:p14="http://schemas.microsoft.com/office/powerpoint/2010/main" val="1623677472"/>
+        <p14:creationId xmlns:p14="http://schemas.microsoft.com/office/powerpoint/2010/main" val="1695811274"/>
       </p:ext>
     </p:extLst>
   </p:cSld>
@@ -1326,8 +2008,8 @@
         </p:nvSpPr>
         <p:spPr>
           <a:xfrm>
-            <a:off x="472381" y="184000"/>
-            <a:ext cx="5915025" cy="667998"/>
+            <a:off x="218257" y="128386"/>
+            <a:ext cx="2732961" cy="466095"/>
           </a:xfrm>
         </p:spPr>
         <p:txBody>
@@ -1354,8 +2036,8 @@
         </p:nvSpPr>
         <p:spPr>
           <a:xfrm>
-            <a:off x="472381" y="847197"/>
-            <a:ext cx="2901255" cy="415198"/>
+            <a:off x="218258" y="591131"/>
+            <a:ext cx="1340487" cy="289704"/>
           </a:xfrm>
         </p:spPr>
         <p:txBody>
@@ -1363,39 +2045,39 @@
           <a:lstStyle>
             <a:lvl1pPr marL="0" indent="0">
               <a:buNone/>
-              <a:defRPr sz="1209" b="1"/>
+              <a:defRPr sz="832" b="1"/>
             </a:lvl1pPr>
-            <a:lvl2pPr marL="230383" indent="0">
-              <a:buNone/>
-              <a:defRPr sz="1008" b="1"/>
+            <a:lvl2pPr marL="158420" indent="0">
+              <a:buNone/>
+              <a:defRPr sz="693" b="1"/>
             </a:lvl2pPr>
-            <a:lvl3pPr marL="460766" indent="0">
-              <a:buNone/>
-              <a:defRPr sz="907" b="1"/>
+            <a:lvl3pPr marL="316840" indent="0">
+              <a:buNone/>
+              <a:defRPr sz="624" b="1"/>
             </a:lvl3pPr>
-            <a:lvl4pPr marL="691149" indent="0">
-              <a:buNone/>
-              <a:defRPr sz="806" b="1"/>
+            <a:lvl4pPr marL="475259" indent="0">
+              <a:buNone/>
+              <a:defRPr sz="554" b="1"/>
             </a:lvl4pPr>
-            <a:lvl5pPr marL="921532" indent="0">
-              <a:buNone/>
-              <a:defRPr sz="806" b="1"/>
+            <a:lvl5pPr marL="633679" indent="0">
+              <a:buNone/>
+              <a:defRPr sz="554" b="1"/>
             </a:lvl5pPr>
-            <a:lvl6pPr marL="1151915" indent="0">
-              <a:buNone/>
-              <a:defRPr sz="806" b="1"/>
+            <a:lvl6pPr marL="792099" indent="0">
+              <a:buNone/>
+              <a:defRPr sz="554" b="1"/>
             </a:lvl6pPr>
-            <a:lvl7pPr marL="1382298" indent="0">
-              <a:buNone/>
-              <a:defRPr sz="806" b="1"/>
+            <a:lvl7pPr marL="950519" indent="0">
+              <a:buNone/>
+              <a:defRPr sz="554" b="1"/>
             </a:lvl7pPr>
-            <a:lvl8pPr marL="1612682" indent="0">
-              <a:buNone/>
-              <a:defRPr sz="806" b="1"/>
+            <a:lvl8pPr marL="1108939" indent="0">
+              <a:buNone/>
+              <a:defRPr sz="554" b="1"/>
             </a:lvl8pPr>
-            <a:lvl9pPr marL="1843065" indent="0">
-              <a:buNone/>
-              <a:defRPr sz="806" b="1"/>
+            <a:lvl9pPr marL="1267358" indent="0">
+              <a:buNone/>
+              <a:defRPr sz="554" b="1"/>
             </a:lvl9pPr>
           </a:lstStyle>
           <a:p>
@@ -1419,8 +2101,8 @@
         </p:nvSpPr>
         <p:spPr>
           <a:xfrm>
-            <a:off x="472381" y="1262396"/>
-            <a:ext cx="2901255" cy="1856794"/>
+            <a:off x="218258" y="880836"/>
+            <a:ext cx="1340487" cy="1295576"/>
           </a:xfrm>
         </p:spPr>
         <p:txBody>
@@ -1476,8 +2158,8 @@
         </p:nvSpPr>
         <p:spPr>
           <a:xfrm>
-            <a:off x="3471863" y="847197"/>
-            <a:ext cx="2915543" cy="415198"/>
+            <a:off x="1604129" y="591131"/>
+            <a:ext cx="1347089" cy="289704"/>
           </a:xfrm>
         </p:spPr>
         <p:txBody>
@@ -1485,39 +2167,39 @@
           <a:lstStyle>
             <a:lvl1pPr marL="0" indent="0">
               <a:buNone/>
-              <a:defRPr sz="1209" b="1"/>
+              <a:defRPr sz="832" b="1"/>
             </a:lvl1pPr>
-            <a:lvl2pPr marL="230383" indent="0">
-              <a:buNone/>
-              <a:defRPr sz="1008" b="1"/>
+            <a:lvl2pPr marL="158420" indent="0">
+              <a:buNone/>
+              <a:defRPr sz="693" b="1"/>
             </a:lvl2pPr>
-            <a:lvl3pPr marL="460766" indent="0">
-              <a:buNone/>
-              <a:defRPr sz="907" b="1"/>
+            <a:lvl3pPr marL="316840" indent="0">
+              <a:buNone/>
+              <a:defRPr sz="624" b="1"/>
             </a:lvl3pPr>
-            <a:lvl4pPr marL="691149" indent="0">
-              <a:buNone/>
-              <a:defRPr sz="806" b="1"/>
+            <a:lvl4pPr marL="475259" indent="0">
+              <a:buNone/>
+              <a:defRPr sz="554" b="1"/>
             </a:lvl4pPr>
-            <a:lvl5pPr marL="921532" indent="0">
-              <a:buNone/>
-              <a:defRPr sz="806" b="1"/>
+            <a:lvl5pPr marL="633679" indent="0">
+              <a:buNone/>
+              <a:defRPr sz="554" b="1"/>
             </a:lvl5pPr>
-            <a:lvl6pPr marL="1151915" indent="0">
-              <a:buNone/>
-              <a:defRPr sz="806" b="1"/>
+            <a:lvl6pPr marL="792099" indent="0">
+              <a:buNone/>
+              <a:defRPr sz="554" b="1"/>
             </a:lvl6pPr>
-            <a:lvl7pPr marL="1382298" indent="0">
-              <a:buNone/>
-              <a:defRPr sz="806" b="1"/>
+            <a:lvl7pPr marL="950519" indent="0">
+              <a:buNone/>
+              <a:defRPr sz="554" b="1"/>
             </a:lvl7pPr>
-            <a:lvl8pPr marL="1612682" indent="0">
-              <a:buNone/>
-              <a:defRPr sz="806" b="1"/>
+            <a:lvl8pPr marL="1108939" indent="0">
+              <a:buNone/>
+              <a:defRPr sz="554" b="1"/>
             </a:lvl8pPr>
-            <a:lvl9pPr marL="1843065" indent="0">
-              <a:buNone/>
-              <a:defRPr sz="806" b="1"/>
+            <a:lvl9pPr marL="1267358" indent="0">
+              <a:buNone/>
+              <a:defRPr sz="554" b="1"/>
             </a:lvl9pPr>
           </a:lstStyle>
           <a:p>
@@ -1541,8 +2223,8 @@
         </p:nvSpPr>
         <p:spPr>
           <a:xfrm>
-            <a:off x="3471863" y="1262396"/>
-            <a:ext cx="2915543" cy="1856794"/>
+            <a:off x="1604129" y="880836"/>
+            <a:ext cx="1347089" cy="1295576"/>
           </a:xfrm>
         </p:spPr>
         <p:txBody>
@@ -1603,7 +2285,7 @@
           <a:p>
             <a:fld id="{A6C8CFAB-1E7E-451D-AC8D-2ADD82320E15}" type="datetimeFigureOut">
               <a:rPr lang="en-GB" smtClean="0"/>
-              <a:t>05/04/2024</a:t>
+              <a:t>25/06/2024</a:t>
             </a:fld>
             <a:endParaRPr lang="en-GB"/>
           </a:p>
@@ -1654,7 +2336,7 @@
     </p:spTree>
     <p:extLst>
       <p:ext uri="{BB962C8B-B14F-4D97-AF65-F5344CB8AC3E}">
-        <p14:creationId xmlns:p14="http://schemas.microsoft.com/office/powerpoint/2010/main" val="1419330022"/>
+        <p14:creationId xmlns:p14="http://schemas.microsoft.com/office/powerpoint/2010/main" val="756452340"/>
       </p:ext>
     </p:extLst>
   </p:cSld>
@@ -1721,7 +2403,7 @@
           <a:p>
             <a:fld id="{A6C8CFAB-1E7E-451D-AC8D-2ADD82320E15}" type="datetimeFigureOut">
               <a:rPr lang="en-GB" smtClean="0"/>
-              <a:t>05/04/2024</a:t>
+              <a:t>25/06/2024</a:t>
             </a:fld>
             <a:endParaRPr lang="en-GB"/>
           </a:p>
@@ -1772,7 +2454,7 @@
     </p:spTree>
     <p:extLst>
       <p:ext uri="{BB962C8B-B14F-4D97-AF65-F5344CB8AC3E}">
-        <p14:creationId xmlns:p14="http://schemas.microsoft.com/office/powerpoint/2010/main" val="852832930"/>
+        <p14:creationId xmlns:p14="http://schemas.microsoft.com/office/powerpoint/2010/main" val="2719141502"/>
       </p:ext>
     </p:extLst>
   </p:cSld>
@@ -1816,7 +2498,7 @@
           <a:p>
             <a:fld id="{A6C8CFAB-1E7E-451D-AC8D-2ADD82320E15}" type="datetimeFigureOut">
               <a:rPr lang="en-GB" smtClean="0"/>
-              <a:t>05/04/2024</a:t>
+              <a:t>25/06/2024</a:t>
             </a:fld>
             <a:endParaRPr lang="en-GB"/>
           </a:p>
@@ -1867,7 +2549,7 @@
     </p:spTree>
     <p:extLst>
       <p:ext uri="{BB962C8B-B14F-4D97-AF65-F5344CB8AC3E}">
-        <p14:creationId xmlns:p14="http://schemas.microsoft.com/office/powerpoint/2010/main" val="3084399841"/>
+        <p14:creationId xmlns:p14="http://schemas.microsoft.com/office/powerpoint/2010/main" val="1856003353"/>
       </p:ext>
     </p:extLst>
   </p:cSld>
@@ -1906,15 +2588,15 @@
         </p:nvSpPr>
         <p:spPr>
           <a:xfrm>
-            <a:off x="472381" y="230399"/>
-            <a:ext cx="2211883" cy="806397"/>
+            <a:off x="218257" y="160761"/>
+            <a:ext cx="1021972" cy="562663"/>
           </a:xfrm>
         </p:spPr>
         <p:txBody>
           <a:bodyPr anchor="b"/>
           <a:lstStyle>
             <a:lvl1pPr>
-              <a:defRPr sz="1612"/>
+              <a:defRPr sz="1109"/>
             </a:lvl1pPr>
           </a:lstStyle>
           <a:p>
@@ -1938,39 +2620,39 @@
         </p:nvSpPr>
         <p:spPr>
           <a:xfrm>
-            <a:off x="2915543" y="497599"/>
-            <a:ext cx="3471863" cy="2455991"/>
+            <a:off x="1347089" y="347199"/>
+            <a:ext cx="1604129" cy="1713666"/>
           </a:xfrm>
         </p:spPr>
         <p:txBody>
           <a:bodyPr/>
           <a:lstStyle>
             <a:lvl1pPr>
-              <a:defRPr sz="1612"/>
+              <a:defRPr sz="1109"/>
             </a:lvl1pPr>
             <a:lvl2pPr>
-              <a:defRPr sz="1411"/>
+              <a:defRPr sz="970"/>
             </a:lvl2pPr>
             <a:lvl3pPr>
-              <a:defRPr sz="1209"/>
+              <a:defRPr sz="832"/>
             </a:lvl3pPr>
             <a:lvl4pPr>
-              <a:defRPr sz="1008"/>
+              <a:defRPr sz="693"/>
             </a:lvl4pPr>
             <a:lvl5pPr>
-              <a:defRPr sz="1008"/>
+              <a:defRPr sz="693"/>
             </a:lvl5pPr>
             <a:lvl6pPr>
-              <a:defRPr sz="1008"/>
+              <a:defRPr sz="693"/>
             </a:lvl6pPr>
             <a:lvl7pPr>
-              <a:defRPr sz="1008"/>
+              <a:defRPr sz="693"/>
             </a:lvl7pPr>
             <a:lvl8pPr>
-              <a:defRPr sz="1008"/>
+              <a:defRPr sz="693"/>
             </a:lvl8pPr>
             <a:lvl9pPr>
-              <a:defRPr sz="1008"/>
+              <a:defRPr sz="693"/>
             </a:lvl9pPr>
           </a:lstStyle>
           <a:p>
@@ -2023,8 +2705,8 @@
         </p:nvSpPr>
         <p:spPr>
           <a:xfrm>
-            <a:off x="472381" y="1036796"/>
-            <a:ext cx="2211883" cy="1920794"/>
+            <a:off x="218257" y="723424"/>
+            <a:ext cx="1021972" cy="1340232"/>
           </a:xfrm>
         </p:spPr>
         <p:txBody>
@@ -2032,39 +2714,39 @@
           <a:lstStyle>
             <a:lvl1pPr marL="0" indent="0">
               <a:buNone/>
-              <a:defRPr sz="806"/>
+              <a:defRPr sz="554"/>
             </a:lvl1pPr>
-            <a:lvl2pPr marL="230383" indent="0">
-              <a:buNone/>
-              <a:defRPr sz="705"/>
+            <a:lvl2pPr marL="158420" indent="0">
+              <a:buNone/>
+              <a:defRPr sz="485"/>
             </a:lvl2pPr>
-            <a:lvl3pPr marL="460766" indent="0">
-              <a:buNone/>
-              <a:defRPr sz="605"/>
+            <a:lvl3pPr marL="316840" indent="0">
+              <a:buNone/>
+              <a:defRPr sz="416"/>
             </a:lvl3pPr>
-            <a:lvl4pPr marL="691149" indent="0">
-              <a:buNone/>
-              <a:defRPr sz="504"/>
+            <a:lvl4pPr marL="475259" indent="0">
+              <a:buNone/>
+              <a:defRPr sz="347"/>
             </a:lvl4pPr>
-            <a:lvl5pPr marL="921532" indent="0">
-              <a:buNone/>
-              <a:defRPr sz="504"/>
+            <a:lvl5pPr marL="633679" indent="0">
+              <a:buNone/>
+              <a:defRPr sz="347"/>
             </a:lvl5pPr>
-            <a:lvl6pPr marL="1151915" indent="0">
-              <a:buNone/>
-              <a:defRPr sz="504"/>
+            <a:lvl6pPr marL="792099" indent="0">
+              <a:buNone/>
+              <a:defRPr sz="347"/>
             </a:lvl6pPr>
-            <a:lvl7pPr marL="1382298" indent="0">
-              <a:buNone/>
-              <a:defRPr sz="504"/>
+            <a:lvl7pPr marL="950519" indent="0">
+              <a:buNone/>
+              <a:defRPr sz="347"/>
             </a:lvl7pPr>
-            <a:lvl8pPr marL="1612682" indent="0">
-              <a:buNone/>
-              <a:defRPr sz="504"/>
+            <a:lvl8pPr marL="1108939" indent="0">
+              <a:buNone/>
+              <a:defRPr sz="347"/>
             </a:lvl8pPr>
-            <a:lvl9pPr marL="1843065" indent="0">
-              <a:buNone/>
-              <a:defRPr sz="504"/>
+            <a:lvl9pPr marL="1267358" indent="0">
+              <a:buNone/>
+              <a:defRPr sz="347"/>
             </a:lvl9pPr>
           </a:lstStyle>
           <a:p>
@@ -2093,7 +2775,7 @@
           <a:p>
             <a:fld id="{A6C8CFAB-1E7E-451D-AC8D-2ADD82320E15}" type="datetimeFigureOut">
               <a:rPr lang="en-GB" smtClean="0"/>
-              <a:t>05/04/2024</a:t>
+              <a:t>25/06/2024</a:t>
             </a:fld>
             <a:endParaRPr lang="en-GB"/>
           </a:p>
@@ -2144,7 +2826,7 @@
     </p:spTree>
     <p:extLst>
       <p:ext uri="{BB962C8B-B14F-4D97-AF65-F5344CB8AC3E}">
-        <p14:creationId xmlns:p14="http://schemas.microsoft.com/office/powerpoint/2010/main" val="1225020542"/>
+        <p14:creationId xmlns:p14="http://schemas.microsoft.com/office/powerpoint/2010/main" val="2184887506"/>
       </p:ext>
     </p:extLst>
   </p:cSld>
@@ -2183,15 +2865,15 @@
         </p:nvSpPr>
         <p:spPr>
           <a:xfrm>
-            <a:off x="472381" y="230399"/>
-            <a:ext cx="2211883" cy="806397"/>
+            <a:off x="218257" y="160761"/>
+            <a:ext cx="1021972" cy="562663"/>
           </a:xfrm>
         </p:spPr>
         <p:txBody>
           <a:bodyPr anchor="b"/>
           <a:lstStyle>
             <a:lvl1pPr>
-              <a:defRPr sz="1612"/>
+              <a:defRPr sz="1109"/>
             </a:lvl1pPr>
           </a:lstStyle>
           <a:p>
@@ -2215,8 +2897,8 @@
         </p:nvSpPr>
         <p:spPr>
           <a:xfrm>
-            <a:off x="2915543" y="497599"/>
-            <a:ext cx="3471863" cy="2455991"/>
+            <a:off x="1347089" y="347199"/>
+            <a:ext cx="1604129" cy="1713666"/>
           </a:xfrm>
         </p:spPr>
         <p:txBody>
@@ -2224,39 +2906,39 @@
           <a:lstStyle>
             <a:lvl1pPr marL="0" indent="0">
               <a:buNone/>
-              <a:defRPr sz="1612"/>
+              <a:defRPr sz="1109"/>
             </a:lvl1pPr>
-            <a:lvl2pPr marL="230383" indent="0">
-              <a:buNone/>
-              <a:defRPr sz="1411"/>
+            <a:lvl2pPr marL="158420" indent="0">
+              <a:buNone/>
+              <a:defRPr sz="970"/>
             </a:lvl2pPr>
-            <a:lvl3pPr marL="460766" indent="0">
-              <a:buNone/>
-              <a:defRPr sz="1209"/>
+            <a:lvl3pPr marL="316840" indent="0">
+              <a:buNone/>
+              <a:defRPr sz="832"/>
             </a:lvl3pPr>
-            <a:lvl4pPr marL="691149" indent="0">
-              <a:buNone/>
-              <a:defRPr sz="1008"/>
+            <a:lvl4pPr marL="475259" indent="0">
+              <a:buNone/>
+              <a:defRPr sz="693"/>
             </a:lvl4pPr>
-            <a:lvl5pPr marL="921532" indent="0">
-              <a:buNone/>
-              <a:defRPr sz="1008"/>
+            <a:lvl5pPr marL="633679" indent="0">
+              <a:buNone/>
+              <a:defRPr sz="693"/>
             </a:lvl5pPr>
-            <a:lvl6pPr marL="1151915" indent="0">
-              <a:buNone/>
-              <a:defRPr sz="1008"/>
+            <a:lvl6pPr marL="792099" indent="0">
+              <a:buNone/>
+              <a:defRPr sz="693"/>
             </a:lvl6pPr>
-            <a:lvl7pPr marL="1382298" indent="0">
-              <a:buNone/>
-              <a:defRPr sz="1008"/>
+            <a:lvl7pPr marL="950519" indent="0">
+              <a:buNone/>
+              <a:defRPr sz="693"/>
             </a:lvl7pPr>
-            <a:lvl8pPr marL="1612682" indent="0">
-              <a:buNone/>
-              <a:defRPr sz="1008"/>
+            <a:lvl8pPr marL="1108939" indent="0">
+              <a:buNone/>
+              <a:defRPr sz="693"/>
             </a:lvl8pPr>
-            <a:lvl9pPr marL="1843065" indent="0">
-              <a:buNone/>
-              <a:defRPr sz="1008"/>
+            <a:lvl9pPr marL="1267358" indent="0">
+              <a:buNone/>
+              <a:defRPr sz="693"/>
             </a:lvl9pPr>
           </a:lstStyle>
           <a:p>
@@ -2280,8 +2962,8 @@
         </p:nvSpPr>
         <p:spPr>
           <a:xfrm>
-            <a:off x="472381" y="1036796"/>
-            <a:ext cx="2211883" cy="1920794"/>
+            <a:off x="218257" y="723424"/>
+            <a:ext cx="1021972" cy="1340232"/>
           </a:xfrm>
         </p:spPr>
         <p:txBody>
@@ -2289,39 +2971,39 @@
           <a:lstStyle>
             <a:lvl1pPr marL="0" indent="0">
               <a:buNone/>
-              <a:defRPr sz="806"/>
+              <a:defRPr sz="554"/>
             </a:lvl1pPr>
-            <a:lvl2pPr marL="230383" indent="0">
-              <a:buNone/>
-              <a:defRPr sz="705"/>
+            <a:lvl2pPr marL="158420" indent="0">
+              <a:buNone/>
+              <a:defRPr sz="485"/>
             </a:lvl2pPr>
-            <a:lvl3pPr marL="460766" indent="0">
-              <a:buNone/>
-              <a:defRPr sz="605"/>
+            <a:lvl3pPr marL="316840" indent="0">
+              <a:buNone/>
+              <a:defRPr sz="416"/>
             </a:lvl3pPr>
-            <a:lvl4pPr marL="691149" indent="0">
-              <a:buNone/>
-              <a:defRPr sz="504"/>
+            <a:lvl4pPr marL="475259" indent="0">
+              <a:buNone/>
+              <a:defRPr sz="347"/>
             </a:lvl4pPr>
-            <a:lvl5pPr marL="921532" indent="0">
-              <a:buNone/>
-              <a:defRPr sz="504"/>
+            <a:lvl5pPr marL="633679" indent="0">
+              <a:buNone/>
+              <a:defRPr sz="347"/>
             </a:lvl5pPr>
-            <a:lvl6pPr marL="1151915" indent="0">
-              <a:buNone/>
-              <a:defRPr sz="504"/>
+            <a:lvl6pPr marL="792099" indent="0">
+              <a:buNone/>
+              <a:defRPr sz="347"/>
             </a:lvl6pPr>
-            <a:lvl7pPr marL="1382298" indent="0">
-              <a:buNone/>
-              <a:defRPr sz="504"/>
+            <a:lvl7pPr marL="950519" indent="0">
+              <a:buNone/>
+              <a:defRPr sz="347"/>
             </a:lvl7pPr>
-            <a:lvl8pPr marL="1612682" indent="0">
-              <a:buNone/>
-              <a:defRPr sz="504"/>
+            <a:lvl8pPr marL="1108939" indent="0">
+              <a:buNone/>
+              <a:defRPr sz="347"/>
             </a:lvl8pPr>
-            <a:lvl9pPr marL="1843065" indent="0">
-              <a:buNone/>
-              <a:defRPr sz="504"/>
+            <a:lvl9pPr marL="1267358" indent="0">
+              <a:buNone/>
+              <a:defRPr sz="347"/>
             </a:lvl9pPr>
           </a:lstStyle>
           <a:p>
@@ -2350,7 +3032,7 @@
           <a:p>
             <a:fld id="{A6C8CFAB-1E7E-451D-AC8D-2ADD82320E15}" type="datetimeFigureOut">
               <a:rPr lang="en-GB" smtClean="0"/>
-              <a:t>05/04/2024</a:t>
+              <a:t>25/06/2024</a:t>
             </a:fld>
             <a:endParaRPr lang="en-GB"/>
           </a:p>
@@ -2401,7 +3083,7 @@
     </p:spTree>
     <p:extLst>
       <p:ext uri="{BB962C8B-B14F-4D97-AF65-F5344CB8AC3E}">
-        <p14:creationId xmlns:p14="http://schemas.microsoft.com/office/powerpoint/2010/main" val="983598670"/>
+        <p14:creationId xmlns:p14="http://schemas.microsoft.com/office/powerpoint/2010/main" val="1561183773"/>
       </p:ext>
     </p:extLst>
   </p:cSld>
@@ -2445,8 +3127,8 @@
         </p:nvSpPr>
         <p:spPr>
           <a:xfrm>
-            <a:off x="471488" y="184000"/>
-            <a:ext cx="5915025" cy="667998"/>
+            <a:off x="217845" y="128386"/>
+            <a:ext cx="2732961" cy="466095"/>
           </a:xfrm>
           <a:prstGeom prst="rect">
             <a:avLst/>
@@ -2478,8 +3160,8 @@
         </p:nvSpPr>
         <p:spPr>
           <a:xfrm>
-            <a:off x="471488" y="919997"/>
-            <a:ext cx="5915025" cy="2192793"/>
+            <a:off x="217845" y="641927"/>
+            <a:ext cx="2732961" cy="1530019"/>
           </a:xfrm>
           <a:prstGeom prst="rect">
             <a:avLst/>
@@ -2540,8 +3222,8 @@
         </p:nvSpPr>
         <p:spPr>
           <a:xfrm>
-            <a:off x="471488" y="3203189"/>
-            <a:ext cx="1543050" cy="183999"/>
+            <a:off x="217845" y="2235023"/>
+            <a:ext cx="712946" cy="128385"/>
           </a:xfrm>
           <a:prstGeom prst="rect">
             <a:avLst/>
@@ -2551,7 +3233,7 @@
           <a:bodyPr vert="horz" lIns="91440" tIns="45720" rIns="91440" bIns="45720" rtlCol="0" anchor="ctr"/>
           <a:lstStyle>
             <a:lvl1pPr algn="l">
-              <a:defRPr sz="605">
+              <a:defRPr sz="416">
                 <a:solidFill>
                   <a:schemeClr val="tx1">
                     <a:tint val="82000"/>
@@ -2563,7 +3245,7 @@
           <a:p>
             <a:fld id="{A6C8CFAB-1E7E-451D-AC8D-2ADD82320E15}" type="datetimeFigureOut">
               <a:rPr lang="en-GB" smtClean="0"/>
-              <a:t>05/04/2024</a:t>
+              <a:t>25/06/2024</a:t>
             </a:fld>
             <a:endParaRPr lang="en-GB"/>
           </a:p>
@@ -2581,8 +3263,8 @@
         </p:nvSpPr>
         <p:spPr>
           <a:xfrm>
-            <a:off x="2271713" y="3203189"/>
-            <a:ext cx="2314575" cy="183999"/>
+            <a:off x="1049616" y="2235023"/>
+            <a:ext cx="1069419" cy="128385"/>
           </a:xfrm>
           <a:prstGeom prst="rect">
             <a:avLst/>
@@ -2592,7 +3274,7 @@
           <a:bodyPr vert="horz" lIns="91440" tIns="45720" rIns="91440" bIns="45720" rtlCol="0" anchor="ctr"/>
           <a:lstStyle>
             <a:lvl1pPr algn="ctr">
-              <a:defRPr sz="605">
+              <a:defRPr sz="416">
                 <a:solidFill>
                   <a:schemeClr val="tx1">
                     <a:tint val="82000"/>
@@ -2618,8 +3300,8 @@
         </p:nvSpPr>
         <p:spPr>
           <a:xfrm>
-            <a:off x="4843463" y="3203189"/>
-            <a:ext cx="1543050" cy="183999"/>
+            <a:off x="2237859" y="2235023"/>
+            <a:ext cx="712946" cy="128385"/>
           </a:xfrm>
           <a:prstGeom prst="rect">
             <a:avLst/>
@@ -2629,7 +3311,7 @@
           <a:bodyPr vert="horz" lIns="91440" tIns="45720" rIns="91440" bIns="45720" rtlCol="0" anchor="ctr"/>
           <a:lstStyle>
             <a:lvl1pPr algn="r">
-              <a:defRPr sz="605">
+              <a:defRPr sz="416">
                 <a:solidFill>
                   <a:schemeClr val="tx1">
                     <a:tint val="82000"/>
@@ -2650,27 +3332,27 @@
     </p:spTree>
     <p:extLst>
       <p:ext uri="{BB962C8B-B14F-4D97-AF65-F5344CB8AC3E}">
-        <p14:creationId xmlns:p14="http://schemas.microsoft.com/office/powerpoint/2010/main" val="2801547446"/>
+        <p14:creationId xmlns:p14="http://schemas.microsoft.com/office/powerpoint/2010/main" val="2311284770"/>
       </p:ext>
     </p:extLst>
   </p:cSld>
   <p:clrMap bg1="lt1" tx1="dk1" bg2="lt2" tx2="dk2" accent1="accent1" accent2="accent2" accent3="accent3" accent4="accent4" accent5="accent5" accent6="accent6" hlink="hlink" folHlink="folHlink"/>
   <p:sldLayoutIdLst>
-    <p:sldLayoutId id="2147483685" r:id="rId1"/>
-    <p:sldLayoutId id="2147483686" r:id="rId2"/>
-    <p:sldLayoutId id="2147483687" r:id="rId3"/>
-    <p:sldLayoutId id="2147483688" r:id="rId4"/>
-    <p:sldLayoutId id="2147483689" r:id="rId5"/>
-    <p:sldLayoutId id="2147483690" r:id="rId6"/>
-    <p:sldLayoutId id="2147483691" r:id="rId7"/>
-    <p:sldLayoutId id="2147483692" r:id="rId8"/>
-    <p:sldLayoutId id="2147483693" r:id="rId9"/>
-    <p:sldLayoutId id="2147483694" r:id="rId10"/>
-    <p:sldLayoutId id="2147483695" r:id="rId11"/>
+    <p:sldLayoutId id="2147483721" r:id="rId1"/>
+    <p:sldLayoutId id="2147483722" r:id="rId2"/>
+    <p:sldLayoutId id="2147483723" r:id="rId3"/>
+    <p:sldLayoutId id="2147483724" r:id="rId4"/>
+    <p:sldLayoutId id="2147483725" r:id="rId5"/>
+    <p:sldLayoutId id="2147483726" r:id="rId6"/>
+    <p:sldLayoutId id="2147483727" r:id="rId7"/>
+    <p:sldLayoutId id="2147483728" r:id="rId8"/>
+    <p:sldLayoutId id="2147483729" r:id="rId9"/>
+    <p:sldLayoutId id="2147483730" r:id="rId10"/>
+    <p:sldLayoutId id="2147483731" r:id="rId11"/>
   </p:sldLayoutIdLst>
   <p:txStyles>
     <p:titleStyle>
-      <a:lvl1pPr algn="l" defTabSz="460766" rtl="0" eaLnBrk="1" latinLnBrk="0" hangingPunct="1">
+      <a:lvl1pPr algn="l" defTabSz="316840" rtl="0" eaLnBrk="1" latinLnBrk="0" hangingPunct="1">
         <a:lnSpc>
           <a:spcPct val="90000"/>
         </a:lnSpc>
@@ -2678,7 +3360,7 @@
           <a:spcPct val="0"/>
         </a:spcBef>
         <a:buNone/>
-        <a:defRPr sz="2217" kern="1200">
+        <a:defRPr sz="1525" kern="1200">
           <a:solidFill>
             <a:schemeClr val="tx1"/>
           </a:solidFill>
@@ -2689,16 +3371,16 @@
       </a:lvl1pPr>
     </p:titleStyle>
     <p:bodyStyle>
-      <a:lvl1pPr marL="115192" indent="-115192" algn="l" defTabSz="460766" rtl="0" eaLnBrk="1" latinLnBrk="0" hangingPunct="1">
+      <a:lvl1pPr marL="79210" indent="-79210" algn="l" defTabSz="316840" rtl="0" eaLnBrk="1" latinLnBrk="0" hangingPunct="1">
         <a:lnSpc>
           <a:spcPct val="90000"/>
         </a:lnSpc>
         <a:spcBef>
-          <a:spcPts val="504"/>
+          <a:spcPts val="347"/>
         </a:spcBef>
         <a:buFont typeface="Arial" panose="020B0604020202020204" pitchFamily="34" charset="0"/>
         <a:buChar char="•"/>
-        <a:defRPr sz="1411" kern="1200">
+        <a:defRPr sz="970" kern="1200">
           <a:solidFill>
             <a:schemeClr val="tx1"/>
           </a:solidFill>
@@ -2707,16 +3389,16 @@
           <a:cs typeface="+mn-cs"/>
         </a:defRPr>
       </a:lvl1pPr>
-      <a:lvl2pPr marL="345575" indent="-115192" algn="l" defTabSz="460766" rtl="0" eaLnBrk="1" latinLnBrk="0" hangingPunct="1">
+      <a:lvl2pPr marL="237630" indent="-79210" algn="l" defTabSz="316840" rtl="0" eaLnBrk="1" latinLnBrk="0" hangingPunct="1">
         <a:lnSpc>
           <a:spcPct val="90000"/>
         </a:lnSpc>
         <a:spcBef>
-          <a:spcPts val="252"/>
+          <a:spcPts val="173"/>
         </a:spcBef>
         <a:buFont typeface="Arial" panose="020B0604020202020204" pitchFamily="34" charset="0"/>
         <a:buChar char="•"/>
-        <a:defRPr sz="1209" kern="1200">
+        <a:defRPr sz="832" kern="1200">
           <a:solidFill>
             <a:schemeClr val="tx1"/>
           </a:solidFill>
@@ -2725,16 +3407,16 @@
           <a:cs typeface="+mn-cs"/>
         </a:defRPr>
       </a:lvl2pPr>
-      <a:lvl3pPr marL="575958" indent="-115192" algn="l" defTabSz="460766" rtl="0" eaLnBrk="1" latinLnBrk="0" hangingPunct="1">
+      <a:lvl3pPr marL="396050" indent="-79210" algn="l" defTabSz="316840" rtl="0" eaLnBrk="1" latinLnBrk="0" hangingPunct="1">
         <a:lnSpc>
           <a:spcPct val="90000"/>
         </a:lnSpc>
         <a:spcBef>
-          <a:spcPts val="252"/>
+          <a:spcPts val="173"/>
         </a:spcBef>
         <a:buFont typeface="Arial" panose="020B0604020202020204" pitchFamily="34" charset="0"/>
         <a:buChar char="•"/>
-        <a:defRPr sz="1008" kern="1200">
+        <a:defRPr sz="693" kern="1200">
           <a:solidFill>
             <a:schemeClr val="tx1"/>
           </a:solidFill>
@@ -2743,16 +3425,16 @@
           <a:cs typeface="+mn-cs"/>
         </a:defRPr>
       </a:lvl3pPr>
-      <a:lvl4pPr marL="806341" indent="-115192" algn="l" defTabSz="460766" rtl="0" eaLnBrk="1" latinLnBrk="0" hangingPunct="1">
+      <a:lvl4pPr marL="554469" indent="-79210" algn="l" defTabSz="316840" rtl="0" eaLnBrk="1" latinLnBrk="0" hangingPunct="1">
         <a:lnSpc>
           <a:spcPct val="90000"/>
         </a:lnSpc>
         <a:spcBef>
-          <a:spcPts val="252"/>
+          <a:spcPts val="173"/>
         </a:spcBef>
         <a:buFont typeface="Arial" panose="020B0604020202020204" pitchFamily="34" charset="0"/>
         <a:buChar char="•"/>
-        <a:defRPr sz="907" kern="1200">
+        <a:defRPr sz="624" kern="1200">
           <a:solidFill>
             <a:schemeClr val="tx1"/>
           </a:solidFill>
@@ -2761,16 +3443,16 @@
           <a:cs typeface="+mn-cs"/>
         </a:defRPr>
       </a:lvl4pPr>
-      <a:lvl5pPr marL="1036724" indent="-115192" algn="l" defTabSz="460766" rtl="0" eaLnBrk="1" latinLnBrk="0" hangingPunct="1">
+      <a:lvl5pPr marL="712889" indent="-79210" algn="l" defTabSz="316840" rtl="0" eaLnBrk="1" latinLnBrk="0" hangingPunct="1">
         <a:lnSpc>
           <a:spcPct val="90000"/>
         </a:lnSpc>
         <a:spcBef>
-          <a:spcPts val="252"/>
+          <a:spcPts val="173"/>
         </a:spcBef>
         <a:buFont typeface="Arial" panose="020B0604020202020204" pitchFamily="34" charset="0"/>
         <a:buChar char="•"/>
-        <a:defRPr sz="907" kern="1200">
+        <a:defRPr sz="624" kern="1200">
           <a:solidFill>
             <a:schemeClr val="tx1"/>
           </a:solidFill>
@@ -2779,16 +3461,16 @@
           <a:cs typeface="+mn-cs"/>
         </a:defRPr>
       </a:lvl5pPr>
-      <a:lvl6pPr marL="1267107" indent="-115192" algn="l" defTabSz="460766" rtl="0" eaLnBrk="1" latinLnBrk="0" hangingPunct="1">
+      <a:lvl6pPr marL="871309" indent="-79210" algn="l" defTabSz="316840" rtl="0" eaLnBrk="1" latinLnBrk="0" hangingPunct="1">
         <a:lnSpc>
           <a:spcPct val="90000"/>
         </a:lnSpc>
         <a:spcBef>
-          <a:spcPts val="252"/>
+          <a:spcPts val="173"/>
         </a:spcBef>
         <a:buFont typeface="Arial" panose="020B0604020202020204" pitchFamily="34" charset="0"/>
         <a:buChar char="•"/>
-        <a:defRPr sz="907" kern="1200">
+        <a:defRPr sz="624" kern="1200">
           <a:solidFill>
             <a:schemeClr val="tx1"/>
           </a:solidFill>
@@ -2797,16 +3479,16 @@
           <a:cs typeface="+mn-cs"/>
         </a:defRPr>
       </a:lvl6pPr>
-      <a:lvl7pPr marL="1497490" indent="-115192" algn="l" defTabSz="460766" rtl="0" eaLnBrk="1" latinLnBrk="0" hangingPunct="1">
+      <a:lvl7pPr marL="1029729" indent="-79210" algn="l" defTabSz="316840" rtl="0" eaLnBrk="1" latinLnBrk="0" hangingPunct="1">
         <a:lnSpc>
           <a:spcPct val="90000"/>
         </a:lnSpc>
         <a:spcBef>
-          <a:spcPts val="252"/>
+          <a:spcPts val="173"/>
         </a:spcBef>
         <a:buFont typeface="Arial" panose="020B0604020202020204" pitchFamily="34" charset="0"/>
         <a:buChar char="•"/>
-        <a:defRPr sz="907" kern="1200">
+        <a:defRPr sz="624" kern="1200">
           <a:solidFill>
             <a:schemeClr val="tx1"/>
           </a:solidFill>
@@ -2815,16 +3497,16 @@
           <a:cs typeface="+mn-cs"/>
         </a:defRPr>
       </a:lvl7pPr>
-      <a:lvl8pPr marL="1727873" indent="-115192" algn="l" defTabSz="460766" rtl="0" eaLnBrk="1" latinLnBrk="0" hangingPunct="1">
+      <a:lvl8pPr marL="1188149" indent="-79210" algn="l" defTabSz="316840" rtl="0" eaLnBrk="1" latinLnBrk="0" hangingPunct="1">
         <a:lnSpc>
           <a:spcPct val="90000"/>
         </a:lnSpc>
         <a:spcBef>
-          <a:spcPts val="252"/>
+          <a:spcPts val="173"/>
         </a:spcBef>
         <a:buFont typeface="Arial" panose="020B0604020202020204" pitchFamily="34" charset="0"/>
         <a:buChar char="•"/>
-        <a:defRPr sz="907" kern="1200">
+        <a:defRPr sz="624" kern="1200">
           <a:solidFill>
             <a:schemeClr val="tx1"/>
           </a:solidFill>
@@ -2833,16 +3515,16 @@
           <a:cs typeface="+mn-cs"/>
         </a:defRPr>
       </a:lvl8pPr>
-      <a:lvl9pPr marL="1958256" indent="-115192" algn="l" defTabSz="460766" rtl="0" eaLnBrk="1" latinLnBrk="0" hangingPunct="1">
+      <a:lvl9pPr marL="1346568" indent="-79210" algn="l" defTabSz="316840" rtl="0" eaLnBrk="1" latinLnBrk="0" hangingPunct="1">
         <a:lnSpc>
           <a:spcPct val="90000"/>
         </a:lnSpc>
         <a:spcBef>
-          <a:spcPts val="252"/>
+          <a:spcPts val="173"/>
         </a:spcBef>
         <a:buFont typeface="Arial" panose="020B0604020202020204" pitchFamily="34" charset="0"/>
         <a:buChar char="•"/>
-        <a:defRPr sz="907" kern="1200">
+        <a:defRPr sz="624" kern="1200">
           <a:solidFill>
             <a:schemeClr val="tx1"/>
           </a:solidFill>
@@ -2856,8 +3538,8 @@
       <a:defPPr>
         <a:defRPr lang="en-US"/>
       </a:defPPr>
-      <a:lvl1pPr marL="0" algn="l" defTabSz="460766" rtl="0" eaLnBrk="1" latinLnBrk="0" hangingPunct="1">
-        <a:defRPr sz="907" kern="1200">
+      <a:lvl1pPr marL="0" algn="l" defTabSz="316840" rtl="0" eaLnBrk="1" latinLnBrk="0" hangingPunct="1">
+        <a:defRPr sz="624" kern="1200">
           <a:solidFill>
             <a:schemeClr val="tx1"/>
           </a:solidFill>
@@ -2866,8 +3548,8 @@
           <a:cs typeface="+mn-cs"/>
         </a:defRPr>
       </a:lvl1pPr>
-      <a:lvl2pPr marL="230383" algn="l" defTabSz="460766" rtl="0" eaLnBrk="1" latinLnBrk="0" hangingPunct="1">
-        <a:defRPr sz="907" kern="1200">
+      <a:lvl2pPr marL="158420" algn="l" defTabSz="316840" rtl="0" eaLnBrk="1" latinLnBrk="0" hangingPunct="1">
+        <a:defRPr sz="624" kern="1200">
           <a:solidFill>
             <a:schemeClr val="tx1"/>
           </a:solidFill>
@@ -2876,8 +3558,8 @@
           <a:cs typeface="+mn-cs"/>
         </a:defRPr>
       </a:lvl2pPr>
-      <a:lvl3pPr marL="460766" algn="l" defTabSz="460766" rtl="0" eaLnBrk="1" latinLnBrk="0" hangingPunct="1">
-        <a:defRPr sz="907" kern="1200">
+      <a:lvl3pPr marL="316840" algn="l" defTabSz="316840" rtl="0" eaLnBrk="1" latinLnBrk="0" hangingPunct="1">
+        <a:defRPr sz="624" kern="1200">
           <a:solidFill>
             <a:schemeClr val="tx1"/>
           </a:solidFill>
@@ -2886,8 +3568,8 @@
           <a:cs typeface="+mn-cs"/>
         </a:defRPr>
       </a:lvl3pPr>
-      <a:lvl4pPr marL="691149" algn="l" defTabSz="460766" rtl="0" eaLnBrk="1" latinLnBrk="0" hangingPunct="1">
-        <a:defRPr sz="907" kern="1200">
+      <a:lvl4pPr marL="475259" algn="l" defTabSz="316840" rtl="0" eaLnBrk="1" latinLnBrk="0" hangingPunct="1">
+        <a:defRPr sz="624" kern="1200">
           <a:solidFill>
             <a:schemeClr val="tx1"/>
           </a:solidFill>
@@ -2896,8 +3578,8 @@
           <a:cs typeface="+mn-cs"/>
         </a:defRPr>
       </a:lvl4pPr>
-      <a:lvl5pPr marL="921532" algn="l" defTabSz="460766" rtl="0" eaLnBrk="1" latinLnBrk="0" hangingPunct="1">
-        <a:defRPr sz="907" kern="1200">
+      <a:lvl5pPr marL="633679" algn="l" defTabSz="316840" rtl="0" eaLnBrk="1" latinLnBrk="0" hangingPunct="1">
+        <a:defRPr sz="624" kern="1200">
           <a:solidFill>
             <a:schemeClr val="tx1"/>
           </a:solidFill>
@@ -2906,8 +3588,8 @@
           <a:cs typeface="+mn-cs"/>
         </a:defRPr>
       </a:lvl5pPr>
-      <a:lvl6pPr marL="1151915" algn="l" defTabSz="460766" rtl="0" eaLnBrk="1" latinLnBrk="0" hangingPunct="1">
-        <a:defRPr sz="907" kern="1200">
+      <a:lvl6pPr marL="792099" algn="l" defTabSz="316840" rtl="0" eaLnBrk="1" latinLnBrk="0" hangingPunct="1">
+        <a:defRPr sz="624" kern="1200">
           <a:solidFill>
             <a:schemeClr val="tx1"/>
           </a:solidFill>
@@ -2916,8 +3598,8 @@
           <a:cs typeface="+mn-cs"/>
         </a:defRPr>
       </a:lvl6pPr>
-      <a:lvl7pPr marL="1382298" algn="l" defTabSz="460766" rtl="0" eaLnBrk="1" latinLnBrk="0" hangingPunct="1">
-        <a:defRPr sz="907" kern="1200">
+      <a:lvl7pPr marL="950519" algn="l" defTabSz="316840" rtl="0" eaLnBrk="1" latinLnBrk="0" hangingPunct="1">
+        <a:defRPr sz="624" kern="1200">
           <a:solidFill>
             <a:schemeClr val="tx1"/>
           </a:solidFill>
@@ -2926,8 +3608,8 @@
           <a:cs typeface="+mn-cs"/>
         </a:defRPr>
       </a:lvl7pPr>
-      <a:lvl8pPr marL="1612682" algn="l" defTabSz="460766" rtl="0" eaLnBrk="1" latinLnBrk="0" hangingPunct="1">
-        <a:defRPr sz="907" kern="1200">
+      <a:lvl8pPr marL="1108939" algn="l" defTabSz="316840" rtl="0" eaLnBrk="1" latinLnBrk="0" hangingPunct="1">
+        <a:defRPr sz="624" kern="1200">
           <a:solidFill>
             <a:schemeClr val="tx1"/>
           </a:solidFill>
@@ -2936,8 +3618,8 @@
           <a:cs typeface="+mn-cs"/>
         </a:defRPr>
       </a:lvl8pPr>
-      <a:lvl9pPr marL="1843065" algn="l" defTabSz="460766" rtl="0" eaLnBrk="1" latinLnBrk="0" hangingPunct="1">
-        <a:defRPr sz="907" kern="1200">
+      <a:lvl9pPr marL="1267358" algn="l" defTabSz="316840" rtl="0" eaLnBrk="1" latinLnBrk="0" hangingPunct="1">
+        <a:defRPr sz="624" kern="1200">
           <a:solidFill>
             <a:schemeClr val="tx1"/>
           </a:solidFill>
@@ -2970,7 +3652,7 @@
       </p:grpSpPr>
       <p:pic>
         <p:nvPicPr>
-          <p:cNvPr id="44" name="Picture 43">
+          <p:cNvPr id="3" name="Picture 2">
             <a:extLst>
               <a:ext uri="{FF2B5EF4-FFF2-40B4-BE49-F238E27FC236}">
                 <a16:creationId xmlns:a16="http://schemas.microsoft.com/office/drawing/2014/main" id="{DD19E003-9B69-0D4C-8F3A-5E4B1DB55312}"/>
@@ -2990,22 +3672,29 @@
               </a:ext>
             </a:extLst>
           </a:blip>
-          <a:srcRect l="7187" t="28232" r="7234" b="4357"/>
+          <a:srcRect l="7730" t="29389" r="7856" b="5375"/>
           <a:stretch/>
         </p:blipFill>
         <p:spPr>
           <a:xfrm>
-            <a:off x="364787" y="159938"/>
-            <a:ext cx="5869021" cy="3268494"/>
+            <a:off x="281093" y="703529"/>
+            <a:ext cx="2869301" cy="1567724"/>
           </a:xfrm>
           <a:prstGeom prst="rect">
             <a:avLst/>
           </a:prstGeom>
+          <a:ln w="3175">
+            <a:solidFill>
+              <a:schemeClr val="bg2">
+                <a:lumMod val="50000"/>
+              </a:schemeClr>
+            </a:solidFill>
+          </a:ln>
         </p:spPr>
       </p:pic>
       <p:pic>
         <p:nvPicPr>
-          <p:cNvPr id="45" name="Picture 44">
+          <p:cNvPr id="4" name="Picture 3">
             <a:extLst>
               <a:ext uri="{FF2B5EF4-FFF2-40B4-BE49-F238E27FC236}">
                 <a16:creationId xmlns:a16="http://schemas.microsoft.com/office/drawing/2014/main" id="{3DECA9E4-0733-4976-F224-87334909E84A}"/>
@@ -3029,9 +3718,9 @@
           <a:stretch/>
         </p:blipFill>
         <p:spPr>
-          <a:xfrm rot="16200000">
-            <a:off x="4710713" y="1747886"/>
-            <a:ext cx="3218803" cy="94788"/>
+          <a:xfrm>
+            <a:off x="414229" y="568272"/>
+            <a:ext cx="2605727" cy="76734"/>
           </a:xfrm>
           <a:prstGeom prst="rect">
             <a:avLst/>
@@ -3040,7 +3729,7 @@
       </p:pic>
       <p:sp>
         <p:nvSpPr>
-          <p:cNvPr id="46" name="TextBox 45">
+          <p:cNvPr id="5" name="TextBox 4">
             <a:extLst>
               <a:ext uri="{FF2B5EF4-FFF2-40B4-BE49-F238E27FC236}">
                 <a16:creationId xmlns:a16="http://schemas.microsoft.com/office/drawing/2014/main" id="{F1D71C2F-8A93-3E18-C947-1AAE4CB8DE6C}"/>
@@ -3052,8 +3741,8 @@
         </p:nvSpPr>
         <p:spPr>
           <a:xfrm>
-            <a:off x="-100330" y="340955"/>
-            <a:ext cx="536815" cy="230832"/>
+            <a:off x="-188941" y="712919"/>
+            <a:ext cx="536815" cy="215444"/>
           </a:xfrm>
           <a:prstGeom prst="rect">
             <a:avLst/>
@@ -3068,7 +3757,7 @@
           <a:p>
             <a:pPr algn="r"/>
             <a:r>
-              <a:rPr lang="en-GB" sz="900" dirty="0">
+              <a:rPr lang="en-GB" sz="800" dirty="0">
                 <a:solidFill>
                   <a:schemeClr val="bg2">
                     <a:lumMod val="50000"/>
@@ -3078,7 +3767,7 @@
               <a:t>50 </a:t>
             </a:r>
             <a:r>
-              <a:rPr lang="it-IT" sz="900" dirty="0">
+              <a:rPr lang="it-IT" sz="800" dirty="0">
                 <a:solidFill>
                   <a:schemeClr val="bg2">
                     <a:lumMod val="50000"/>
@@ -3088,7 +3777,7 @@
               <a:t>°</a:t>
             </a:r>
             <a:r>
-              <a:rPr lang="en-GB" sz="900" dirty="0">
+              <a:rPr lang="en-GB" sz="800" dirty="0">
                 <a:solidFill>
                   <a:schemeClr val="bg2">
                     <a:lumMod val="50000"/>
@@ -3102,7 +3791,7 @@
       </p:sp>
       <p:sp>
         <p:nvSpPr>
-          <p:cNvPr id="47" name="TextBox 46">
+          <p:cNvPr id="6" name="TextBox 5">
             <a:extLst>
               <a:ext uri="{FF2B5EF4-FFF2-40B4-BE49-F238E27FC236}">
                 <a16:creationId xmlns:a16="http://schemas.microsoft.com/office/drawing/2014/main" id="{6FDD74F2-32FC-DC5C-AFCF-1109251281A8}"/>
@@ -3114,8 +3803,8 @@
         </p:nvSpPr>
         <p:spPr>
           <a:xfrm>
-            <a:off x="-100330" y="1517840"/>
-            <a:ext cx="536815" cy="230832"/>
+            <a:off x="-188941" y="1300866"/>
+            <a:ext cx="536815" cy="215444"/>
           </a:xfrm>
           <a:prstGeom prst="rect">
             <a:avLst/>
@@ -3130,7 +3819,7 @@
           <a:p>
             <a:pPr algn="r"/>
             <a:r>
-              <a:rPr lang="en-GB" sz="900" dirty="0">
+              <a:rPr lang="en-GB" sz="800" dirty="0">
                 <a:solidFill>
                   <a:schemeClr val="bg2">
                     <a:lumMod val="50000"/>
@@ -3140,7 +3829,7 @@
               <a:t>40 </a:t>
             </a:r>
             <a:r>
-              <a:rPr lang="it-IT" sz="900" dirty="0">
+              <a:rPr lang="it-IT" sz="800" dirty="0">
                 <a:solidFill>
                   <a:schemeClr val="bg2">
                     <a:lumMod val="50000"/>
@@ -3150,7 +3839,7 @@
               <a:t>°</a:t>
             </a:r>
             <a:r>
-              <a:rPr lang="en-GB" sz="900" dirty="0">
+              <a:rPr lang="en-GB" sz="800" dirty="0">
                 <a:solidFill>
                   <a:schemeClr val="bg2">
                     <a:lumMod val="50000"/>
@@ -3164,7 +3853,7 @@
       </p:sp>
       <p:sp>
         <p:nvSpPr>
-          <p:cNvPr id="48" name="TextBox 47">
+          <p:cNvPr id="7" name="TextBox 6">
             <a:extLst>
               <a:ext uri="{FF2B5EF4-FFF2-40B4-BE49-F238E27FC236}">
                 <a16:creationId xmlns:a16="http://schemas.microsoft.com/office/drawing/2014/main" id="{22DBE79A-CDEE-2F1B-733D-4B4214DE63A9}"/>
@@ -3176,8 +3865,8 @@
         </p:nvSpPr>
         <p:spPr>
           <a:xfrm>
-            <a:off x="-100330" y="2541209"/>
-            <a:ext cx="536815" cy="230832"/>
+            <a:off x="-188941" y="1807627"/>
+            <a:ext cx="536815" cy="215444"/>
           </a:xfrm>
           <a:prstGeom prst="rect">
             <a:avLst/>
@@ -3192,7 +3881,7 @@
           <a:p>
             <a:pPr algn="r"/>
             <a:r>
-              <a:rPr lang="en-GB" sz="900" dirty="0">
+              <a:rPr lang="en-GB" sz="800" dirty="0">
                 <a:solidFill>
                   <a:schemeClr val="bg2">
                     <a:lumMod val="50000"/>
@@ -3202,7 +3891,7 @@
               <a:t>30 </a:t>
             </a:r>
             <a:r>
-              <a:rPr lang="it-IT" sz="900" dirty="0">
+              <a:rPr lang="it-IT" sz="800" dirty="0">
                 <a:solidFill>
                   <a:schemeClr val="bg2">
                     <a:lumMod val="50000"/>
@@ -3212,7 +3901,7 @@
               <a:t>°</a:t>
             </a:r>
             <a:r>
-              <a:rPr lang="en-GB" sz="900" dirty="0">
+              <a:rPr lang="en-GB" sz="800" dirty="0">
                 <a:solidFill>
                   <a:schemeClr val="bg2">
                     <a:lumMod val="50000"/>
@@ -3226,7 +3915,7 @@
       </p:sp>
       <p:sp>
         <p:nvSpPr>
-          <p:cNvPr id="49" name="TextBox 48">
+          <p:cNvPr id="8" name="TextBox 7">
             <a:extLst>
               <a:ext uri="{FF2B5EF4-FFF2-40B4-BE49-F238E27FC236}">
                 <a16:creationId xmlns:a16="http://schemas.microsoft.com/office/drawing/2014/main" id="{E023B178-82B8-A456-CC6F-11113A21FC39}"/>
@@ -3238,8 +3927,8 @@
         </p:nvSpPr>
         <p:spPr>
           <a:xfrm>
-            <a:off x="964200" y="441"/>
-            <a:ext cx="536815" cy="230832"/>
+            <a:off x="412591" y="2238172"/>
+            <a:ext cx="536815" cy="215444"/>
           </a:xfrm>
           <a:prstGeom prst="rect">
             <a:avLst/>
@@ -3254,7 +3943,7 @@
           <a:p>
             <a:pPr algn="ctr"/>
             <a:r>
-              <a:rPr lang="en-GB" sz="900" dirty="0">
+              <a:rPr lang="en-GB" sz="800" dirty="0">
                 <a:solidFill>
                   <a:schemeClr val="bg2">
                     <a:lumMod val="50000"/>
@@ -3264,7 +3953,7 @@
               <a:t>120 </a:t>
             </a:r>
             <a:r>
-              <a:rPr lang="it-IT" sz="900" dirty="0">
+              <a:rPr lang="it-IT" sz="800" dirty="0">
                 <a:solidFill>
                   <a:schemeClr val="bg2">
                     <a:lumMod val="50000"/>
@@ -3274,7 +3963,7 @@
               <a:t>°</a:t>
             </a:r>
             <a:r>
-              <a:rPr lang="en-GB" sz="900" dirty="0">
+              <a:rPr lang="en-GB" sz="800" dirty="0">
                 <a:solidFill>
                   <a:schemeClr val="bg2">
                     <a:lumMod val="50000"/>
@@ -3288,7 +3977,7 @@
       </p:sp>
       <p:sp>
         <p:nvSpPr>
-          <p:cNvPr id="50" name="TextBox 49">
+          <p:cNvPr id="9" name="TextBox 8">
             <a:extLst>
               <a:ext uri="{FF2B5EF4-FFF2-40B4-BE49-F238E27FC236}">
                 <a16:creationId xmlns:a16="http://schemas.microsoft.com/office/drawing/2014/main" id="{F2E82DC8-5C42-716E-4D57-068EA4CD263A}"/>
@@ -3300,8 +3989,8 @@
         </p:nvSpPr>
         <p:spPr>
           <a:xfrm>
-            <a:off x="2633305" y="441"/>
-            <a:ext cx="536815" cy="230832"/>
+            <a:off x="1244785" y="2238172"/>
+            <a:ext cx="536815" cy="215444"/>
           </a:xfrm>
           <a:prstGeom prst="rect">
             <a:avLst/>
@@ -3316,7 +4005,7 @@
           <a:p>
             <a:pPr algn="ctr"/>
             <a:r>
-              <a:rPr lang="en-GB" sz="900" dirty="0">
+              <a:rPr lang="en-GB" sz="800" dirty="0">
                 <a:solidFill>
                   <a:schemeClr val="bg2">
                     <a:lumMod val="50000"/>
@@ -3326,7 +4015,7 @@
               <a:t>100 </a:t>
             </a:r>
             <a:r>
-              <a:rPr lang="it-IT" sz="900" dirty="0">
+              <a:rPr lang="it-IT" sz="800" dirty="0">
                 <a:solidFill>
                   <a:schemeClr val="bg2">
                     <a:lumMod val="50000"/>
@@ -3336,7 +4025,7 @@
               <a:t>°</a:t>
             </a:r>
             <a:r>
-              <a:rPr lang="en-GB" sz="900" dirty="0">
+              <a:rPr lang="en-GB" sz="800" dirty="0">
                 <a:solidFill>
                   <a:schemeClr val="bg2">
                     <a:lumMod val="50000"/>
@@ -3350,7 +4039,7 @@
       </p:sp>
       <p:sp>
         <p:nvSpPr>
-          <p:cNvPr id="51" name="TextBox 50">
+          <p:cNvPr id="10" name="TextBox 9">
             <a:extLst>
               <a:ext uri="{FF2B5EF4-FFF2-40B4-BE49-F238E27FC236}">
                 <a16:creationId xmlns:a16="http://schemas.microsoft.com/office/drawing/2014/main" id="{13CCC7D0-D92F-B870-9BE8-D967DDA8EC43}"/>
@@ -3362,8 +4051,8 @@
         </p:nvSpPr>
         <p:spPr>
           <a:xfrm>
-            <a:off x="4316190" y="441"/>
-            <a:ext cx="536815" cy="230832"/>
+            <a:off x="2064934" y="2238172"/>
+            <a:ext cx="536815" cy="215444"/>
           </a:xfrm>
           <a:prstGeom prst="rect">
             <a:avLst/>
@@ -3378,7 +4067,7 @@
           <a:p>
             <a:pPr algn="ctr"/>
             <a:r>
-              <a:rPr lang="en-GB" sz="900" dirty="0">
+              <a:rPr lang="en-GB" sz="800" dirty="0">
                 <a:solidFill>
                   <a:schemeClr val="bg2">
                     <a:lumMod val="50000"/>
@@ -3388,7 +4077,7 @@
               <a:t>80 </a:t>
             </a:r>
             <a:r>
-              <a:rPr lang="it-IT" sz="900" dirty="0">
+              <a:rPr lang="it-IT" sz="800" dirty="0">
                 <a:solidFill>
                   <a:schemeClr val="bg2">
                     <a:lumMod val="50000"/>
@@ -3398,7 +4087,7 @@
               <a:t>°</a:t>
             </a:r>
             <a:r>
-              <a:rPr lang="en-GB" sz="900" dirty="0">
+              <a:rPr lang="en-GB" sz="800" dirty="0">
                 <a:solidFill>
                   <a:schemeClr val="bg2">
                     <a:lumMod val="50000"/>
@@ -3412,7 +4101,7 @@
       </p:sp>
       <p:sp>
         <p:nvSpPr>
-          <p:cNvPr id="52" name="TextBox 51">
+          <p:cNvPr id="11" name="TextBox 10">
             <a:extLst>
               <a:ext uri="{FF2B5EF4-FFF2-40B4-BE49-F238E27FC236}">
                 <a16:creationId xmlns:a16="http://schemas.microsoft.com/office/drawing/2014/main" id="{20FCCC32-A76A-C731-E53C-976B51B2E78F}"/>
@@ -3424,8 +4113,8 @@
         </p:nvSpPr>
         <p:spPr>
           <a:xfrm>
-            <a:off x="5621202" y="-14752"/>
-            <a:ext cx="1371884" cy="230832"/>
+            <a:off x="1408789" y="241863"/>
+            <a:ext cx="616607" cy="215444"/>
           </a:xfrm>
           <a:prstGeom prst="rect">
             <a:avLst/>
@@ -3440,21 +4129,21 @@
           <a:p>
             <a:pPr algn="ctr"/>
             <a:r>
-              <a:rPr lang="en-GB" sz="900" dirty="0">
+              <a:rPr lang="en-GB" sz="800" dirty="0">
                 <a:solidFill>
                   <a:schemeClr val="bg2">
                     <a:lumMod val="50000"/>
                   </a:schemeClr>
                 </a:solidFill>
               </a:rPr>
-              <a:t>metres</a:t>
-            </a:r>
-          </a:p>
-        </p:txBody>
-      </p:sp>
-      <p:sp>
-        <p:nvSpPr>
-          <p:cNvPr id="53" name="TextBox 52">
+              <a:t>[metres]</a:t>
+            </a:r>
+          </a:p>
+        </p:txBody>
+      </p:sp>
+      <p:sp>
+        <p:nvSpPr>
+          <p:cNvPr id="12" name="TextBox 11">
             <a:extLst>
               <a:ext uri="{FF2B5EF4-FFF2-40B4-BE49-F238E27FC236}">
                 <a16:creationId xmlns:a16="http://schemas.microsoft.com/office/drawing/2014/main" id="{D080BFB8-ECAC-4575-6E3F-C442E1C78A1B}"/>
@@ -3466,8 +4155,8 @@
         </p:nvSpPr>
         <p:spPr>
           <a:xfrm>
-            <a:off x="6328186" y="3282531"/>
-            <a:ext cx="536815" cy="230832"/>
+            <a:off x="224202" y="409569"/>
+            <a:ext cx="407773" cy="215444"/>
           </a:xfrm>
           <a:prstGeom prst="rect">
             <a:avLst/>
@@ -3480,8 +4169,9 @@
           </a:bodyPr>
           <a:lstStyle/>
           <a:p>
-            <a:r>
-              <a:rPr lang="en-GB" sz="900" dirty="0">
+            <a:pPr algn="ctr"/>
+            <a:r>
+              <a:rPr lang="en-GB" sz="800" dirty="0">
                 <a:solidFill>
                   <a:schemeClr val="bg2">
                     <a:lumMod val="50000"/>
@@ -3495,7 +4185,7 @@
       </p:sp>
       <p:sp>
         <p:nvSpPr>
-          <p:cNvPr id="54" name="TextBox 53">
+          <p:cNvPr id="13" name="TextBox 12">
             <a:extLst>
               <a:ext uri="{FF2B5EF4-FFF2-40B4-BE49-F238E27FC236}">
                 <a16:creationId xmlns:a16="http://schemas.microsoft.com/office/drawing/2014/main" id="{9A4B1EC8-EEF5-3E04-30C8-8119BB015E8C}"/>
@@ -3507,8 +4197,8 @@
         </p:nvSpPr>
         <p:spPr>
           <a:xfrm>
-            <a:off x="6328186" y="469393"/>
-            <a:ext cx="536815" cy="230832"/>
+            <a:off x="2514026" y="409569"/>
+            <a:ext cx="407773" cy="215444"/>
           </a:xfrm>
           <a:prstGeom prst="rect">
             <a:avLst/>
@@ -3521,8 +4211,9 @@
           </a:bodyPr>
           <a:lstStyle/>
           <a:p>
-            <a:r>
-              <a:rPr lang="en-GB" sz="900" dirty="0">
+            <a:pPr algn="ctr"/>
+            <a:r>
+              <a:rPr lang="en-GB" sz="800" dirty="0">
                 <a:solidFill>
                   <a:schemeClr val="bg2">
                     <a:lumMod val="50000"/>
@@ -3536,7 +4227,7 @@
       </p:sp>
       <p:sp>
         <p:nvSpPr>
-          <p:cNvPr id="55" name="TextBox 54">
+          <p:cNvPr id="14" name="TextBox 13">
             <a:extLst>
               <a:ext uri="{FF2B5EF4-FFF2-40B4-BE49-F238E27FC236}">
                 <a16:creationId xmlns:a16="http://schemas.microsoft.com/office/drawing/2014/main" id="{79094C95-0B0A-3F7B-65FF-675BE29609E9}"/>
@@ -3548,8 +4239,8 @@
         </p:nvSpPr>
         <p:spPr>
           <a:xfrm>
-            <a:off x="6328186" y="821035"/>
-            <a:ext cx="536815" cy="230832"/>
+            <a:off x="2227798" y="409569"/>
+            <a:ext cx="407773" cy="215444"/>
           </a:xfrm>
           <a:prstGeom prst="rect">
             <a:avLst/>
@@ -3562,8 +4253,9 @@
           </a:bodyPr>
           <a:lstStyle/>
           <a:p>
-            <a:r>
-              <a:rPr lang="en-GB" sz="900" dirty="0">
+            <a:pPr algn="ctr"/>
+            <a:r>
+              <a:rPr lang="en-GB" sz="800" dirty="0">
                 <a:solidFill>
                   <a:schemeClr val="bg2">
                     <a:lumMod val="50000"/>
@@ -3577,7 +4269,7 @@
       </p:sp>
       <p:sp>
         <p:nvSpPr>
-          <p:cNvPr id="56" name="TextBox 55">
+          <p:cNvPr id="15" name="TextBox 14">
             <a:extLst>
               <a:ext uri="{FF2B5EF4-FFF2-40B4-BE49-F238E27FC236}">
                 <a16:creationId xmlns:a16="http://schemas.microsoft.com/office/drawing/2014/main" id="{6137EC09-A128-E4B0-D950-46CA0486F051}"/>
@@ -3589,8 +4281,8 @@
         </p:nvSpPr>
         <p:spPr>
           <a:xfrm>
-            <a:off x="6328186" y="1172677"/>
-            <a:ext cx="536815" cy="230832"/>
+            <a:off x="1941570" y="409569"/>
+            <a:ext cx="407773" cy="215444"/>
           </a:xfrm>
           <a:prstGeom prst="rect">
             <a:avLst/>
@@ -3603,8 +4295,9 @@
           </a:bodyPr>
           <a:lstStyle/>
           <a:p>
-            <a:r>
-              <a:rPr lang="en-GB" sz="900" dirty="0">
+            <a:pPr algn="ctr"/>
+            <a:r>
+              <a:rPr lang="en-GB" sz="800" dirty="0">
                 <a:solidFill>
                   <a:schemeClr val="bg2">
                     <a:lumMod val="50000"/>
@@ -3618,7 +4311,7 @@
       </p:sp>
       <p:sp>
         <p:nvSpPr>
-          <p:cNvPr id="57" name="TextBox 56">
+          <p:cNvPr id="16" name="TextBox 15">
             <a:extLst>
               <a:ext uri="{FF2B5EF4-FFF2-40B4-BE49-F238E27FC236}">
                 <a16:creationId xmlns:a16="http://schemas.microsoft.com/office/drawing/2014/main" id="{358AF0F2-D83D-E62C-48BA-4BD85AC209FD}"/>
@@ -3630,8 +4323,8 @@
         </p:nvSpPr>
         <p:spPr>
           <a:xfrm>
-            <a:off x="6328186" y="1524319"/>
-            <a:ext cx="536815" cy="230832"/>
+            <a:off x="1655342" y="409569"/>
+            <a:ext cx="407773" cy="215444"/>
           </a:xfrm>
           <a:prstGeom prst="rect">
             <a:avLst/>
@@ -3644,8 +4337,9 @@
           </a:bodyPr>
           <a:lstStyle/>
           <a:p>
-            <a:r>
-              <a:rPr lang="en-GB" sz="900" dirty="0">
+            <a:pPr algn="ctr"/>
+            <a:r>
+              <a:rPr lang="en-GB" sz="800" dirty="0">
                 <a:solidFill>
                   <a:schemeClr val="bg2">
                     <a:lumMod val="50000"/>
@@ -3659,7 +4353,7 @@
       </p:sp>
       <p:sp>
         <p:nvSpPr>
-          <p:cNvPr id="58" name="TextBox 57">
+          <p:cNvPr id="17" name="TextBox 16">
             <a:extLst>
               <a:ext uri="{FF2B5EF4-FFF2-40B4-BE49-F238E27FC236}">
                 <a16:creationId xmlns:a16="http://schemas.microsoft.com/office/drawing/2014/main" id="{3FE915F8-D5A5-D72B-714A-2332F7428974}"/>
@@ -3671,8 +4365,8 @@
         </p:nvSpPr>
         <p:spPr>
           <a:xfrm>
-            <a:off x="6328186" y="1875961"/>
-            <a:ext cx="536815" cy="230832"/>
+            <a:off x="1369114" y="409569"/>
+            <a:ext cx="407773" cy="215444"/>
           </a:xfrm>
           <a:prstGeom prst="rect">
             <a:avLst/>
@@ -3685,8 +4379,9 @@
           </a:bodyPr>
           <a:lstStyle/>
           <a:p>
-            <a:r>
-              <a:rPr lang="en-GB" sz="900" dirty="0">
+            <a:pPr algn="ctr"/>
+            <a:r>
+              <a:rPr lang="en-GB" sz="800" dirty="0">
                 <a:solidFill>
                   <a:schemeClr val="bg2">
                     <a:lumMod val="50000"/>
@@ -3700,7 +4395,7 @@
       </p:sp>
       <p:sp>
         <p:nvSpPr>
-          <p:cNvPr id="59" name="TextBox 58">
+          <p:cNvPr id="18" name="TextBox 17">
             <a:extLst>
               <a:ext uri="{FF2B5EF4-FFF2-40B4-BE49-F238E27FC236}">
                 <a16:creationId xmlns:a16="http://schemas.microsoft.com/office/drawing/2014/main" id="{35FB6C0A-ABF7-0967-AE90-D6E6D00DED53}"/>
@@ -3712,8 +4407,8 @@
         </p:nvSpPr>
         <p:spPr>
           <a:xfrm>
-            <a:off x="6328186" y="2227603"/>
-            <a:ext cx="536815" cy="230832"/>
+            <a:off x="1082886" y="409569"/>
+            <a:ext cx="407773" cy="215444"/>
           </a:xfrm>
           <a:prstGeom prst="rect">
             <a:avLst/>
@@ -3726,8 +4421,9 @@
           </a:bodyPr>
           <a:lstStyle/>
           <a:p>
-            <a:r>
-              <a:rPr lang="en-GB" sz="900" dirty="0">
+            <a:pPr algn="ctr"/>
+            <a:r>
+              <a:rPr lang="en-GB" sz="800" dirty="0">
                 <a:solidFill>
                   <a:schemeClr val="bg2">
                     <a:lumMod val="50000"/>
@@ -3741,7 +4437,7 @@
       </p:sp>
       <p:sp>
         <p:nvSpPr>
-          <p:cNvPr id="60" name="TextBox 59">
+          <p:cNvPr id="19" name="TextBox 18">
             <a:extLst>
               <a:ext uri="{FF2B5EF4-FFF2-40B4-BE49-F238E27FC236}">
                 <a16:creationId xmlns:a16="http://schemas.microsoft.com/office/drawing/2014/main" id="{2B1B51A5-3A13-957B-480D-BE6A65A3C9D4}"/>
@@ -3753,8 +4449,8 @@
         </p:nvSpPr>
         <p:spPr>
           <a:xfrm>
-            <a:off x="6328186" y="2579245"/>
-            <a:ext cx="536815" cy="230832"/>
+            <a:off x="796658" y="409569"/>
+            <a:ext cx="407773" cy="215444"/>
           </a:xfrm>
           <a:prstGeom prst="rect">
             <a:avLst/>
@@ -3767,8 +4463,9 @@
           </a:bodyPr>
           <a:lstStyle/>
           <a:p>
-            <a:r>
-              <a:rPr lang="en-GB" sz="900" dirty="0">
+            <a:pPr algn="ctr"/>
+            <a:r>
+              <a:rPr lang="en-GB" sz="800" dirty="0">
                 <a:solidFill>
                   <a:schemeClr val="bg2">
                     <a:lumMod val="50000"/>
@@ -3782,7 +4479,7 @@
       </p:sp>
       <p:sp>
         <p:nvSpPr>
-          <p:cNvPr id="61" name="TextBox 60">
+          <p:cNvPr id="20" name="TextBox 19">
             <a:extLst>
               <a:ext uri="{FF2B5EF4-FFF2-40B4-BE49-F238E27FC236}">
                 <a16:creationId xmlns:a16="http://schemas.microsoft.com/office/drawing/2014/main" id="{5575BA01-6C94-5BE2-21E1-3A89ADE0CA6D}"/>
@@ -3794,8 +4491,8 @@
         </p:nvSpPr>
         <p:spPr>
           <a:xfrm>
-            <a:off x="6328186" y="2930887"/>
-            <a:ext cx="536815" cy="230832"/>
+            <a:off x="510430" y="409569"/>
+            <a:ext cx="407773" cy="215444"/>
           </a:xfrm>
           <a:prstGeom prst="rect">
             <a:avLst/>
@@ -3808,8 +4505,9 @@
           </a:bodyPr>
           <a:lstStyle/>
           <a:p>
-            <a:r>
-              <a:rPr lang="en-GB" sz="900" dirty="0">
+            <a:pPr algn="ctr"/>
+            <a:r>
+              <a:rPr lang="en-GB" sz="800" dirty="0">
                 <a:solidFill>
                   <a:schemeClr val="bg2">
                     <a:lumMod val="50000"/>
@@ -3823,7 +4521,7 @@
       </p:sp>
       <p:sp>
         <p:nvSpPr>
-          <p:cNvPr id="62" name="TextBox 61">
+          <p:cNvPr id="21" name="TextBox 20">
             <a:extLst>
               <a:ext uri="{FF2B5EF4-FFF2-40B4-BE49-F238E27FC236}">
                 <a16:creationId xmlns:a16="http://schemas.microsoft.com/office/drawing/2014/main" id="{31989090-3AC2-BECC-CBF8-E09CCF9C11A4}"/>
@@ -3835,8 +4533,8 @@
         </p:nvSpPr>
         <p:spPr>
           <a:xfrm>
-            <a:off x="6328186" y="117751"/>
-            <a:ext cx="536815" cy="230832"/>
+            <a:off x="2800253" y="409569"/>
+            <a:ext cx="407773" cy="215444"/>
           </a:xfrm>
           <a:prstGeom prst="rect">
             <a:avLst/>
@@ -3849,8 +4547,9 @@
           </a:bodyPr>
           <a:lstStyle/>
           <a:p>
-            <a:r>
-              <a:rPr lang="en-GB" sz="900" dirty="0">
+            <a:pPr algn="ctr"/>
+            <a:r>
+              <a:rPr lang="en-GB" sz="800" dirty="0">
                 <a:solidFill>
                   <a:schemeClr val="bg2">
                     <a:lumMod val="50000"/>
@@ -3858,6 +4557,72 @@
                 </a:solidFill>
               </a:rPr>
               <a:t>5000</a:t>
+            </a:r>
+          </a:p>
+        </p:txBody>
+      </p:sp>
+      <p:sp>
+        <p:nvSpPr>
+          <p:cNvPr id="22" name="TextBox 21">
+            <a:extLst>
+              <a:ext uri="{FF2B5EF4-FFF2-40B4-BE49-F238E27FC236}">
+                <a16:creationId xmlns:a16="http://schemas.microsoft.com/office/drawing/2014/main" id="{B3E1B771-0F5E-C321-BB3D-5FDFF94A5B38}"/>
+              </a:ext>
+            </a:extLst>
+          </p:cNvPr>
+          <p:cNvSpPr txBox="1"/>
+          <p:nvPr/>
+        </p:nvSpPr>
+        <p:spPr>
+          <a:xfrm>
+            <a:off x="-58655" y="-40684"/>
+            <a:ext cx="3230211" cy="461665"/>
+          </a:xfrm>
+          <a:prstGeom prst="rect">
+            <a:avLst/>
+          </a:prstGeom>
+          <a:noFill/>
+        </p:spPr>
+        <p:txBody>
+          <a:bodyPr wrap="square" rtlCol="0">
+            <a:spAutoFit/>
+          </a:bodyPr>
+          <a:lstStyle/>
+          <a:p>
+            <a:r>
+              <a:rPr lang="en-GB" sz="800" b="1" u="sng" dirty="0">
+                <a:solidFill>
+                  <a:schemeClr val="tx1">
+                    <a:lumMod val="85000"/>
+                    <a:lumOff val="15000"/>
+                  </a:schemeClr>
+                </a:solidFill>
+              </a:rPr>
+              <a:t>ML-model input feature</a:t>
+            </a:r>
+            <a:r>
+              <a:rPr lang="en-GB" sz="800" b="1" dirty="0">
+                <a:solidFill>
+                  <a:schemeClr val="tx1">
+                    <a:lumMod val="85000"/>
+                    <a:lumOff val="15000"/>
+                  </a:schemeClr>
+                </a:solidFill>
+              </a:rPr>
+              <a:t>: ERA5’s standard deviation of sub-grid scale orography</a:t>
+            </a:r>
+          </a:p>
+          <a:p>
+            <a:r>
+              <a:rPr lang="en-GB" sz="800" dirty="0">
+                <a:solidFill>
+                  <a:schemeClr val="tx1">
+                    <a:lumMod val="85000"/>
+                    <a:lumOff val="15000"/>
+                  </a:schemeClr>
+                </a:solidFill>
+              </a:rPr>
+              <a:t>Static field</a:t>
             </a:r>
           </a:p>
         </p:txBody>
